--- a/deck.pptx
+++ b/deck.pptx
@@ -7,10 +7,16 @@
   <p:sldIdLst>
     <p:sldId id="256" r:id="rId2"/>
     <p:sldId id="259" r:id="rId3"/>
-    <p:sldId id="258" r:id="rId4"/>
-    <p:sldId id="260" r:id="rId5"/>
-    <p:sldId id="261" r:id="rId6"/>
-    <p:sldId id="257" r:id="rId7"/>
+    <p:sldId id="262" r:id="rId4"/>
+    <p:sldId id="263" r:id="rId5"/>
+    <p:sldId id="264" r:id="rId6"/>
+    <p:sldId id="265" r:id="rId7"/>
+    <p:sldId id="258" r:id="rId8"/>
+    <p:sldId id="260" r:id="rId9"/>
+    <p:sldId id="257" r:id="rId10"/>
+    <p:sldId id="266" r:id="rId11"/>
+    <p:sldId id="267" r:id="rId12"/>
+    <p:sldId id="261" r:id="rId13"/>
   </p:sldIdLst>
   <p:sldSz cx="12192000" cy="6858000"/>
   <p:notesSz cx="6858000" cy="9144000"/>
@@ -3387,6 +3393,188 @@
 </p:sld>
 </file>
 
+<file path=ppt/slides/slide10.xml><?xml version="1.0" encoding="utf-8"?>
+<p:sld xmlns:a="http://schemas.openxmlformats.org/drawingml/2006/main" xmlns:r="http://schemas.openxmlformats.org/officeDocument/2006/relationships" xmlns:p="http://schemas.openxmlformats.org/presentationml/2006/main">
+  <p:cSld>
+    <p:spTree>
+      <p:nvGrpSpPr>
+        <p:cNvPr id="1" name=""/>
+        <p:cNvGrpSpPr/>
+        <p:nvPr/>
+      </p:nvGrpSpPr>
+      <p:grpSpPr>
+        <a:xfrm>
+          <a:off x="0" y="0"/>
+          <a:ext cx="0" cy="0"/>
+          <a:chOff x="0" y="0"/>
+          <a:chExt cx="0" cy="0"/>
+        </a:xfrm>
+      </p:grpSpPr>
+      <p:sp>
+        <p:nvSpPr>
+          <p:cNvPr id="3" name="Content Placeholder 2">
+            <a:extLst>
+              <a:ext uri="{FF2B5EF4-FFF2-40B4-BE49-F238E27FC236}">
+                <a16:creationId xmlns:a16="http://schemas.microsoft.com/office/drawing/2014/main" id="{CF7866AD-00DB-094E-8D2B-C962720BBDC2}"/>
+              </a:ext>
+            </a:extLst>
+          </p:cNvPr>
+          <p:cNvSpPr>
+            <a:spLocks noGrp="1"/>
+          </p:cNvSpPr>
+          <p:nvPr>
+            <p:ph idx="1"/>
+          </p:nvPr>
+        </p:nvSpPr>
+        <p:spPr>
+          <a:xfrm>
+            <a:off x="838200" y="1825625"/>
+            <a:ext cx="7448550" cy="774700"/>
+          </a:xfrm>
+        </p:spPr>
+        <p:txBody>
+          <a:bodyPr>
+            <a:noAutofit/>
+          </a:bodyPr>
+          <a:lstStyle/>
+          <a:p>
+            <a:pPr marL="0" indent="0">
+              <a:buNone/>
+            </a:pPr>
+            <a:r>
+              <a:rPr lang="en-US" sz="4000" dirty="0"/>
+              <a:t>Now we can do cool things like ….</a:t>
+            </a:r>
+          </a:p>
+        </p:txBody>
+      </p:sp>
+    </p:spTree>
+    <p:extLst>
+      <p:ext uri="{BB962C8B-B14F-4D97-AF65-F5344CB8AC3E}">
+        <p14:creationId xmlns:p14="http://schemas.microsoft.com/office/powerpoint/2010/main" val="2984301058"/>
+      </p:ext>
+    </p:extLst>
+  </p:cSld>
+  <p:clrMapOvr>
+    <a:masterClrMapping/>
+  </p:clrMapOvr>
+</p:sld>
+</file>
+
+<file path=ppt/slides/slide11.xml><?xml version="1.0" encoding="utf-8"?>
+<p:sld xmlns:a="http://schemas.openxmlformats.org/drawingml/2006/main" xmlns:r="http://schemas.openxmlformats.org/officeDocument/2006/relationships" xmlns:p="http://schemas.openxmlformats.org/presentationml/2006/main">
+  <p:cSld>
+    <p:spTree>
+      <p:nvGrpSpPr>
+        <p:cNvPr id="1" name=""/>
+        <p:cNvGrpSpPr/>
+        <p:nvPr/>
+      </p:nvGrpSpPr>
+      <p:grpSpPr>
+        <a:xfrm>
+          <a:off x="0" y="0"/>
+          <a:ext cx="0" cy="0"/>
+          <a:chOff x="0" y="0"/>
+          <a:chExt cx="0" cy="0"/>
+        </a:xfrm>
+      </p:grpSpPr>
+      <p:sp>
+        <p:nvSpPr>
+          <p:cNvPr id="3" name="Content Placeholder 2">
+            <a:extLst>
+              <a:ext uri="{FF2B5EF4-FFF2-40B4-BE49-F238E27FC236}">
+                <a16:creationId xmlns:a16="http://schemas.microsoft.com/office/drawing/2014/main" id="{C5CDF9E0-B21F-294B-A580-EA722BE6C59C}"/>
+              </a:ext>
+            </a:extLst>
+          </p:cNvPr>
+          <p:cNvSpPr>
+            <a:spLocks noGrp="1"/>
+          </p:cNvSpPr>
+          <p:nvPr>
+            <p:ph idx="1"/>
+          </p:nvPr>
+        </p:nvSpPr>
+        <p:spPr/>
+        <p:txBody>
+          <a:bodyPr/>
+          <a:lstStyle/>
+          <a:p>
+            <a:endParaRPr lang="en-US"/>
+          </a:p>
+        </p:txBody>
+      </p:sp>
+    </p:spTree>
+    <p:extLst>
+      <p:ext uri="{BB962C8B-B14F-4D97-AF65-F5344CB8AC3E}">
+        <p14:creationId xmlns:p14="http://schemas.microsoft.com/office/powerpoint/2010/main" val="698575699"/>
+      </p:ext>
+    </p:extLst>
+  </p:cSld>
+  <p:clrMapOvr>
+    <a:masterClrMapping/>
+  </p:clrMapOvr>
+</p:sld>
+</file>
+
+<file path=ppt/slides/slide12.xml><?xml version="1.0" encoding="utf-8"?>
+<p:sld xmlns:a="http://schemas.openxmlformats.org/drawingml/2006/main" xmlns:r="http://schemas.openxmlformats.org/officeDocument/2006/relationships" xmlns:p="http://schemas.openxmlformats.org/presentationml/2006/main">
+  <p:cSld>
+    <p:spTree>
+      <p:nvGrpSpPr>
+        <p:cNvPr id="1" name=""/>
+        <p:cNvGrpSpPr/>
+        <p:nvPr/>
+      </p:nvGrpSpPr>
+      <p:grpSpPr>
+        <a:xfrm>
+          <a:off x="0" y="0"/>
+          <a:ext cx="0" cy="0"/>
+          <a:chOff x="0" y="0"/>
+          <a:chExt cx="0" cy="0"/>
+        </a:xfrm>
+      </p:grpSpPr>
+      <p:pic>
+        <p:nvPicPr>
+          <p:cNvPr id="5" name="Content Placeholder 4">
+            <a:extLst>
+              <a:ext uri="{FF2B5EF4-FFF2-40B4-BE49-F238E27FC236}">
+                <a16:creationId xmlns:a16="http://schemas.microsoft.com/office/drawing/2014/main" id="{BB6F3794-F4A9-9541-B5B3-FB14B647221A}"/>
+              </a:ext>
+            </a:extLst>
+          </p:cNvPr>
+          <p:cNvPicPr>
+            <a:picLocks noGrp="1" noChangeAspect="1"/>
+          </p:cNvPicPr>
+          <p:nvPr>
+            <p:ph idx="1"/>
+          </p:nvPr>
+        </p:nvPicPr>
+        <p:blipFill>
+          <a:blip r:embed="rId2"/>
+          <a:stretch>
+            <a:fillRect/>
+          </a:stretch>
+        </p:blipFill>
+        <p:spPr>
+          <a:xfrm>
+            <a:off x="1" y="0"/>
+            <a:ext cx="12192000" cy="6858000"/>
+          </a:xfrm>
+        </p:spPr>
+      </p:pic>
+    </p:spTree>
+    <p:extLst>
+      <p:ext uri="{BB962C8B-B14F-4D97-AF65-F5344CB8AC3E}">
+        <p14:creationId xmlns:p14="http://schemas.microsoft.com/office/powerpoint/2010/main" val="3964029668"/>
+      </p:ext>
+    </p:extLst>
+  </p:cSld>
+  <p:clrMapOvr>
+    <a:masterClrMapping/>
+  </p:clrMapOvr>
+</p:sld>
+</file>
+
 <file path=ppt/slides/slide2.xml><?xml version="1.0" encoding="utf-8"?>
 <p:sld xmlns:a="http://schemas.openxmlformats.org/drawingml/2006/main" xmlns:r="http://schemas.openxmlformats.org/officeDocument/2006/relationships" xmlns:p="http://schemas.openxmlformats.org/presentationml/2006/main">
   <p:cSld>
@@ -3478,6 +3666,700 @@
 </file>
 
 <file path=ppt/slides/slide3.xml><?xml version="1.0" encoding="utf-8"?>
+<p:sld xmlns:a="http://schemas.openxmlformats.org/drawingml/2006/main" xmlns:r="http://schemas.openxmlformats.org/officeDocument/2006/relationships" xmlns:p="http://schemas.openxmlformats.org/presentationml/2006/main">
+  <p:cSld>
+    <p:spTree>
+      <p:nvGrpSpPr>
+        <p:cNvPr id="1" name=""/>
+        <p:cNvGrpSpPr/>
+        <p:nvPr/>
+      </p:nvGrpSpPr>
+      <p:grpSpPr>
+        <a:xfrm>
+          <a:off x="0" y="0"/>
+          <a:ext cx="0" cy="0"/>
+          <a:chOff x="0" y="0"/>
+          <a:chExt cx="0" cy="0"/>
+        </a:xfrm>
+      </p:grpSpPr>
+      <p:sp>
+        <p:nvSpPr>
+          <p:cNvPr id="2" name="Title 1">
+            <a:extLst>
+              <a:ext uri="{FF2B5EF4-FFF2-40B4-BE49-F238E27FC236}">
+                <a16:creationId xmlns:a16="http://schemas.microsoft.com/office/drawing/2014/main" id="{AA0464BE-8C17-FA46-B7AC-A4D7BE78FB82}"/>
+              </a:ext>
+            </a:extLst>
+          </p:cNvPr>
+          <p:cNvSpPr>
+            <a:spLocks noGrp="1"/>
+          </p:cNvSpPr>
+          <p:nvPr>
+            <p:ph type="title"/>
+          </p:nvPr>
+        </p:nvSpPr>
+        <p:spPr>
+          <a:xfrm>
+            <a:off x="1850230" y="681036"/>
+            <a:ext cx="2747963" cy="1009651"/>
+          </a:xfrm>
+        </p:spPr>
+        <p:txBody>
+          <a:bodyPr/>
+          <a:lstStyle/>
+          <a:p>
+            <a:r>
+              <a:rPr lang="en-US" dirty="0"/>
+              <a:t>Winners</a:t>
+            </a:r>
+          </a:p>
+        </p:txBody>
+      </p:sp>
+      <p:sp>
+        <p:nvSpPr>
+          <p:cNvPr id="4" name="Title 1">
+            <a:extLst>
+              <a:ext uri="{FF2B5EF4-FFF2-40B4-BE49-F238E27FC236}">
+                <a16:creationId xmlns:a16="http://schemas.microsoft.com/office/drawing/2014/main" id="{2DBFB4C6-2275-9347-844D-19F1185A1E36}"/>
+              </a:ext>
+            </a:extLst>
+          </p:cNvPr>
+          <p:cNvSpPr txBox="1">
+            <a:spLocks/>
+          </p:cNvSpPr>
+          <p:nvPr/>
+        </p:nvSpPr>
+        <p:spPr>
+          <a:xfrm>
+            <a:off x="8248654" y="681035"/>
+            <a:ext cx="2747963" cy="1009651"/>
+          </a:xfrm>
+          <a:prstGeom prst="rect">
+            <a:avLst/>
+          </a:prstGeom>
+        </p:spPr>
+        <p:txBody>
+          <a:bodyPr vert="horz" lIns="91440" tIns="45720" rIns="91440" bIns="45720" rtlCol="0" anchor="ctr">
+            <a:normAutofit/>
+          </a:bodyPr>
+          <a:lstStyle>
+            <a:lvl1pPr algn="l" defTabSz="914400" rtl="0" eaLnBrk="1" latinLnBrk="0" hangingPunct="1">
+              <a:lnSpc>
+                <a:spcPct val="90000"/>
+              </a:lnSpc>
+              <a:spcBef>
+                <a:spcPct val="0"/>
+              </a:spcBef>
+              <a:buNone/>
+              <a:defRPr sz="4400" kern="1200">
+                <a:solidFill>
+                  <a:schemeClr val="tx1"/>
+                </a:solidFill>
+                <a:latin typeface="+mj-lt"/>
+                <a:ea typeface="+mj-ea"/>
+                <a:cs typeface="+mj-cs"/>
+              </a:defRPr>
+            </a:lvl1pPr>
+          </a:lstStyle>
+          <a:p>
+            <a:r>
+              <a:rPr lang="en-US" dirty="0"/>
+              <a:t>Losers</a:t>
+            </a:r>
+          </a:p>
+        </p:txBody>
+      </p:sp>
+      <p:pic>
+        <p:nvPicPr>
+          <p:cNvPr id="6" name="Picture 5">
+            <a:extLst>
+              <a:ext uri="{FF2B5EF4-FFF2-40B4-BE49-F238E27FC236}">
+                <a16:creationId xmlns:a16="http://schemas.microsoft.com/office/drawing/2014/main" id="{2C34A42D-BD20-8A44-8FFA-F68C1202CA6C}"/>
+              </a:ext>
+            </a:extLst>
+          </p:cNvPr>
+          <p:cNvPicPr>
+            <a:picLocks noChangeAspect="1"/>
+          </p:cNvPicPr>
+          <p:nvPr/>
+        </p:nvPicPr>
+        <p:blipFill>
+          <a:blip r:embed="rId2"/>
+          <a:stretch>
+            <a:fillRect/>
+          </a:stretch>
+        </p:blipFill>
+        <p:spPr>
+          <a:xfrm>
+            <a:off x="1639887" y="2324100"/>
+            <a:ext cx="2540000" cy="2540000"/>
+          </a:xfrm>
+          <a:prstGeom prst="rect">
+            <a:avLst/>
+          </a:prstGeom>
+        </p:spPr>
+      </p:pic>
+      <p:pic>
+        <p:nvPicPr>
+          <p:cNvPr id="8" name="Picture 7">
+            <a:extLst>
+              <a:ext uri="{FF2B5EF4-FFF2-40B4-BE49-F238E27FC236}">
+                <a16:creationId xmlns:a16="http://schemas.microsoft.com/office/drawing/2014/main" id="{9193B007-65BE-2847-A64E-79285CD2DFFC}"/>
+              </a:ext>
+            </a:extLst>
+          </p:cNvPr>
+          <p:cNvPicPr>
+            <a:picLocks noChangeAspect="1"/>
+          </p:cNvPicPr>
+          <p:nvPr/>
+        </p:nvPicPr>
+        <p:blipFill>
+          <a:blip r:embed="rId3"/>
+          <a:stretch>
+            <a:fillRect/>
+          </a:stretch>
+        </p:blipFill>
+        <p:spPr>
+          <a:xfrm>
+            <a:off x="6958024" y="2159000"/>
+            <a:ext cx="4064000" cy="2870200"/>
+          </a:xfrm>
+          <a:prstGeom prst="rect">
+            <a:avLst/>
+          </a:prstGeom>
+        </p:spPr>
+      </p:pic>
+    </p:spTree>
+    <p:extLst>
+      <p:ext uri="{BB962C8B-B14F-4D97-AF65-F5344CB8AC3E}">
+        <p14:creationId xmlns:p14="http://schemas.microsoft.com/office/powerpoint/2010/main" val="263280710"/>
+      </p:ext>
+    </p:extLst>
+  </p:cSld>
+  <p:clrMapOvr>
+    <a:masterClrMapping/>
+  </p:clrMapOvr>
+</p:sld>
+</file>
+
+<file path=ppt/slides/slide4.xml><?xml version="1.0" encoding="utf-8"?>
+<p:sld xmlns:a="http://schemas.openxmlformats.org/drawingml/2006/main" xmlns:r="http://schemas.openxmlformats.org/officeDocument/2006/relationships" xmlns:p="http://schemas.openxmlformats.org/presentationml/2006/main">
+  <p:cSld>
+    <p:spTree>
+      <p:nvGrpSpPr>
+        <p:cNvPr id="1" name=""/>
+        <p:cNvGrpSpPr/>
+        <p:nvPr/>
+      </p:nvGrpSpPr>
+      <p:grpSpPr>
+        <a:xfrm>
+          <a:off x="0" y="0"/>
+          <a:ext cx="0" cy="0"/>
+          <a:chOff x="0" y="0"/>
+          <a:chExt cx="0" cy="0"/>
+        </a:xfrm>
+      </p:grpSpPr>
+      <p:sp>
+        <p:nvSpPr>
+          <p:cNvPr id="2" name="Title 1">
+            <a:extLst>
+              <a:ext uri="{FF2B5EF4-FFF2-40B4-BE49-F238E27FC236}">
+                <a16:creationId xmlns:a16="http://schemas.microsoft.com/office/drawing/2014/main" id="{AA0464BE-8C17-FA46-B7AC-A4D7BE78FB82}"/>
+              </a:ext>
+            </a:extLst>
+          </p:cNvPr>
+          <p:cNvSpPr>
+            <a:spLocks noGrp="1"/>
+          </p:cNvSpPr>
+          <p:nvPr>
+            <p:ph type="title"/>
+          </p:nvPr>
+        </p:nvSpPr>
+        <p:spPr>
+          <a:xfrm>
+            <a:off x="1850230" y="681036"/>
+            <a:ext cx="2747963" cy="1009651"/>
+          </a:xfrm>
+        </p:spPr>
+        <p:txBody>
+          <a:bodyPr/>
+          <a:lstStyle/>
+          <a:p>
+            <a:r>
+              <a:rPr lang="en-US" dirty="0"/>
+              <a:t>Winners</a:t>
+            </a:r>
+          </a:p>
+        </p:txBody>
+      </p:sp>
+      <p:sp>
+        <p:nvSpPr>
+          <p:cNvPr id="4" name="Title 1">
+            <a:extLst>
+              <a:ext uri="{FF2B5EF4-FFF2-40B4-BE49-F238E27FC236}">
+                <a16:creationId xmlns:a16="http://schemas.microsoft.com/office/drawing/2014/main" id="{2DBFB4C6-2275-9347-844D-19F1185A1E36}"/>
+              </a:ext>
+            </a:extLst>
+          </p:cNvPr>
+          <p:cNvSpPr txBox="1">
+            <a:spLocks/>
+          </p:cNvSpPr>
+          <p:nvPr/>
+        </p:nvSpPr>
+        <p:spPr>
+          <a:xfrm>
+            <a:off x="8248654" y="681035"/>
+            <a:ext cx="2747963" cy="1009651"/>
+          </a:xfrm>
+          <a:prstGeom prst="rect">
+            <a:avLst/>
+          </a:prstGeom>
+        </p:spPr>
+        <p:txBody>
+          <a:bodyPr vert="horz" lIns="91440" tIns="45720" rIns="91440" bIns="45720" rtlCol="0" anchor="ctr">
+            <a:normAutofit/>
+          </a:bodyPr>
+          <a:lstStyle>
+            <a:lvl1pPr algn="l" defTabSz="914400" rtl="0" eaLnBrk="1" latinLnBrk="0" hangingPunct="1">
+              <a:lnSpc>
+                <a:spcPct val="90000"/>
+              </a:lnSpc>
+              <a:spcBef>
+                <a:spcPct val="0"/>
+              </a:spcBef>
+              <a:buNone/>
+              <a:defRPr sz="4400" kern="1200">
+                <a:solidFill>
+                  <a:schemeClr val="tx1"/>
+                </a:solidFill>
+                <a:latin typeface="+mj-lt"/>
+                <a:ea typeface="+mj-ea"/>
+                <a:cs typeface="+mj-cs"/>
+              </a:defRPr>
+            </a:lvl1pPr>
+          </a:lstStyle>
+          <a:p>
+            <a:r>
+              <a:rPr lang="en-US" dirty="0"/>
+              <a:t>Losers</a:t>
+            </a:r>
+          </a:p>
+        </p:txBody>
+      </p:sp>
+      <p:pic>
+        <p:nvPicPr>
+          <p:cNvPr id="6" name="Picture 5">
+            <a:extLst>
+              <a:ext uri="{FF2B5EF4-FFF2-40B4-BE49-F238E27FC236}">
+                <a16:creationId xmlns:a16="http://schemas.microsoft.com/office/drawing/2014/main" id="{2C34A42D-BD20-8A44-8FFA-F68C1202CA6C}"/>
+              </a:ext>
+            </a:extLst>
+          </p:cNvPr>
+          <p:cNvPicPr>
+            <a:picLocks noChangeAspect="1"/>
+          </p:cNvPicPr>
+          <p:nvPr/>
+        </p:nvPicPr>
+        <p:blipFill>
+          <a:blip r:embed="rId2"/>
+          <a:stretch>
+            <a:fillRect/>
+          </a:stretch>
+        </p:blipFill>
+        <p:spPr>
+          <a:xfrm>
+            <a:off x="354012" y="1690686"/>
+            <a:ext cx="2540000" cy="2540000"/>
+          </a:xfrm>
+          <a:prstGeom prst="rect">
+            <a:avLst/>
+          </a:prstGeom>
+        </p:spPr>
+      </p:pic>
+      <p:pic>
+        <p:nvPicPr>
+          <p:cNvPr id="8" name="Picture 7">
+            <a:extLst>
+              <a:ext uri="{FF2B5EF4-FFF2-40B4-BE49-F238E27FC236}">
+                <a16:creationId xmlns:a16="http://schemas.microsoft.com/office/drawing/2014/main" id="{9193B007-65BE-2847-A64E-79285CD2DFFC}"/>
+              </a:ext>
+            </a:extLst>
+          </p:cNvPr>
+          <p:cNvPicPr>
+            <a:picLocks noChangeAspect="1"/>
+          </p:cNvPicPr>
+          <p:nvPr/>
+        </p:nvPicPr>
+        <p:blipFill>
+          <a:blip r:embed="rId3"/>
+          <a:stretch>
+            <a:fillRect/>
+          </a:stretch>
+        </p:blipFill>
+        <p:spPr>
+          <a:xfrm>
+            <a:off x="2101845" y="1525586"/>
+            <a:ext cx="4064000" cy="2870200"/>
+          </a:xfrm>
+          <a:prstGeom prst="rect">
+            <a:avLst/>
+          </a:prstGeom>
+        </p:spPr>
+      </p:pic>
+      <p:pic>
+        <p:nvPicPr>
+          <p:cNvPr id="5" name="Picture 4">
+            <a:extLst>
+              <a:ext uri="{FF2B5EF4-FFF2-40B4-BE49-F238E27FC236}">
+                <a16:creationId xmlns:a16="http://schemas.microsoft.com/office/drawing/2014/main" id="{860583B2-6716-6046-BDA4-9485B4D6A423}"/>
+              </a:ext>
+            </a:extLst>
+          </p:cNvPr>
+          <p:cNvPicPr>
+            <a:picLocks noChangeAspect="1"/>
+          </p:cNvPicPr>
+          <p:nvPr/>
+        </p:nvPicPr>
+        <p:blipFill>
+          <a:blip r:embed="rId4"/>
+          <a:stretch>
+            <a:fillRect/>
+          </a:stretch>
+        </p:blipFill>
+        <p:spPr>
+          <a:xfrm>
+            <a:off x="5821363" y="2535236"/>
+            <a:ext cx="6016625" cy="1263650"/>
+          </a:xfrm>
+          <a:prstGeom prst="rect">
+            <a:avLst/>
+          </a:prstGeom>
+        </p:spPr>
+      </p:pic>
+      <p:pic>
+        <p:nvPicPr>
+          <p:cNvPr id="9" name="Picture 8">
+            <a:extLst>
+              <a:ext uri="{FF2B5EF4-FFF2-40B4-BE49-F238E27FC236}">
+                <a16:creationId xmlns:a16="http://schemas.microsoft.com/office/drawing/2014/main" id="{2909FE63-8A4F-2749-AB8B-0E28FB1135C6}"/>
+              </a:ext>
+            </a:extLst>
+          </p:cNvPr>
+          <p:cNvPicPr>
+            <a:picLocks noChangeAspect="1"/>
+          </p:cNvPicPr>
+          <p:nvPr/>
+        </p:nvPicPr>
+        <p:blipFill>
+          <a:blip r:embed="rId5"/>
+          <a:stretch>
+            <a:fillRect/>
+          </a:stretch>
+        </p:blipFill>
+        <p:spPr>
+          <a:xfrm>
+            <a:off x="828675" y="4395786"/>
+            <a:ext cx="3812382" cy="2144465"/>
+          </a:xfrm>
+          <a:prstGeom prst="rect">
+            <a:avLst/>
+          </a:prstGeom>
+        </p:spPr>
+      </p:pic>
+    </p:spTree>
+    <p:extLst>
+      <p:ext uri="{BB962C8B-B14F-4D97-AF65-F5344CB8AC3E}">
+        <p14:creationId xmlns:p14="http://schemas.microsoft.com/office/powerpoint/2010/main" val="2815500314"/>
+      </p:ext>
+    </p:extLst>
+  </p:cSld>
+  <p:clrMapOvr>
+    <a:masterClrMapping/>
+  </p:clrMapOvr>
+</p:sld>
+</file>
+
+<file path=ppt/slides/slide5.xml><?xml version="1.0" encoding="utf-8"?>
+<p:sld xmlns:a="http://schemas.openxmlformats.org/drawingml/2006/main" xmlns:r="http://schemas.openxmlformats.org/officeDocument/2006/relationships" xmlns:p="http://schemas.openxmlformats.org/presentationml/2006/main">
+  <p:cSld>
+    <p:spTree>
+      <p:nvGrpSpPr>
+        <p:cNvPr id="1" name=""/>
+        <p:cNvGrpSpPr/>
+        <p:nvPr/>
+      </p:nvGrpSpPr>
+      <p:grpSpPr>
+        <a:xfrm>
+          <a:off x="0" y="0"/>
+          <a:ext cx="0" cy="0"/>
+          <a:chOff x="0" y="0"/>
+          <a:chExt cx="0" cy="0"/>
+        </a:xfrm>
+      </p:grpSpPr>
+      <p:sp>
+        <p:nvSpPr>
+          <p:cNvPr id="2" name="Title 1">
+            <a:extLst>
+              <a:ext uri="{FF2B5EF4-FFF2-40B4-BE49-F238E27FC236}">
+                <a16:creationId xmlns:a16="http://schemas.microsoft.com/office/drawing/2014/main" id="{AA0464BE-8C17-FA46-B7AC-A4D7BE78FB82}"/>
+              </a:ext>
+            </a:extLst>
+          </p:cNvPr>
+          <p:cNvSpPr>
+            <a:spLocks noGrp="1"/>
+          </p:cNvSpPr>
+          <p:nvPr>
+            <p:ph type="title"/>
+          </p:nvPr>
+        </p:nvSpPr>
+        <p:spPr>
+          <a:xfrm>
+            <a:off x="1850230" y="681036"/>
+            <a:ext cx="2747963" cy="1009651"/>
+          </a:xfrm>
+        </p:spPr>
+        <p:txBody>
+          <a:bodyPr/>
+          <a:lstStyle/>
+          <a:p>
+            <a:r>
+              <a:rPr lang="en-US" dirty="0"/>
+              <a:t>Winners</a:t>
+            </a:r>
+          </a:p>
+        </p:txBody>
+      </p:sp>
+      <p:sp>
+        <p:nvSpPr>
+          <p:cNvPr id="4" name="Title 1">
+            <a:extLst>
+              <a:ext uri="{FF2B5EF4-FFF2-40B4-BE49-F238E27FC236}">
+                <a16:creationId xmlns:a16="http://schemas.microsoft.com/office/drawing/2014/main" id="{2DBFB4C6-2275-9347-844D-19F1185A1E36}"/>
+              </a:ext>
+            </a:extLst>
+          </p:cNvPr>
+          <p:cNvSpPr txBox="1">
+            <a:spLocks/>
+          </p:cNvSpPr>
+          <p:nvPr/>
+        </p:nvSpPr>
+        <p:spPr>
+          <a:xfrm>
+            <a:off x="8248654" y="681035"/>
+            <a:ext cx="2747963" cy="1009651"/>
+          </a:xfrm>
+          <a:prstGeom prst="rect">
+            <a:avLst/>
+          </a:prstGeom>
+        </p:spPr>
+        <p:txBody>
+          <a:bodyPr vert="horz" lIns="91440" tIns="45720" rIns="91440" bIns="45720" rtlCol="0" anchor="ctr">
+            <a:normAutofit/>
+          </a:bodyPr>
+          <a:lstStyle>
+            <a:lvl1pPr algn="l" defTabSz="914400" rtl="0" eaLnBrk="1" latinLnBrk="0" hangingPunct="1">
+              <a:lnSpc>
+                <a:spcPct val="90000"/>
+              </a:lnSpc>
+              <a:spcBef>
+                <a:spcPct val="0"/>
+              </a:spcBef>
+              <a:buNone/>
+              <a:defRPr sz="4400" kern="1200">
+                <a:solidFill>
+                  <a:schemeClr val="tx1"/>
+                </a:solidFill>
+                <a:latin typeface="+mj-lt"/>
+                <a:ea typeface="+mj-ea"/>
+                <a:cs typeface="+mj-cs"/>
+              </a:defRPr>
+            </a:lvl1pPr>
+          </a:lstStyle>
+          <a:p>
+            <a:r>
+              <a:rPr lang="en-US" dirty="0"/>
+              <a:t>Losers</a:t>
+            </a:r>
+          </a:p>
+        </p:txBody>
+      </p:sp>
+      <p:pic>
+        <p:nvPicPr>
+          <p:cNvPr id="6" name="Picture 5">
+            <a:extLst>
+              <a:ext uri="{FF2B5EF4-FFF2-40B4-BE49-F238E27FC236}">
+                <a16:creationId xmlns:a16="http://schemas.microsoft.com/office/drawing/2014/main" id="{2C34A42D-BD20-8A44-8FFA-F68C1202CA6C}"/>
+              </a:ext>
+            </a:extLst>
+          </p:cNvPr>
+          <p:cNvPicPr>
+            <a:picLocks noChangeAspect="1"/>
+          </p:cNvPicPr>
+          <p:nvPr/>
+        </p:nvPicPr>
+        <p:blipFill>
+          <a:blip r:embed="rId2"/>
+          <a:stretch>
+            <a:fillRect/>
+          </a:stretch>
+        </p:blipFill>
+        <p:spPr>
+          <a:xfrm>
+            <a:off x="6469064" y="2159000"/>
+            <a:ext cx="2540000" cy="2540000"/>
+          </a:xfrm>
+          <a:prstGeom prst="rect">
+            <a:avLst/>
+          </a:prstGeom>
+        </p:spPr>
+      </p:pic>
+      <p:pic>
+        <p:nvPicPr>
+          <p:cNvPr id="8" name="Picture 7">
+            <a:extLst>
+              <a:ext uri="{FF2B5EF4-FFF2-40B4-BE49-F238E27FC236}">
+                <a16:creationId xmlns:a16="http://schemas.microsoft.com/office/drawing/2014/main" id="{9193B007-65BE-2847-A64E-79285CD2DFFC}"/>
+              </a:ext>
+            </a:extLst>
+          </p:cNvPr>
+          <p:cNvPicPr>
+            <a:picLocks noChangeAspect="1"/>
+          </p:cNvPicPr>
+          <p:nvPr/>
+        </p:nvPicPr>
+        <p:blipFill>
+          <a:blip r:embed="rId3"/>
+          <a:stretch>
+            <a:fillRect/>
+          </a:stretch>
+        </p:blipFill>
+        <p:spPr>
+          <a:xfrm>
+            <a:off x="8262942" y="1993900"/>
+            <a:ext cx="4064000" cy="2870200"/>
+          </a:xfrm>
+          <a:prstGeom prst="rect">
+            <a:avLst/>
+          </a:prstGeom>
+        </p:spPr>
+      </p:pic>
+      <p:sp>
+        <p:nvSpPr>
+          <p:cNvPr id="3" name="TextBox 2">
+            <a:extLst>
+              <a:ext uri="{FF2B5EF4-FFF2-40B4-BE49-F238E27FC236}">
+                <a16:creationId xmlns:a16="http://schemas.microsoft.com/office/drawing/2014/main" id="{0C29BF0B-462E-7448-9ABB-CD48A546EBEE}"/>
+              </a:ext>
+            </a:extLst>
+          </p:cNvPr>
+          <p:cNvSpPr txBox="1"/>
+          <p:nvPr/>
+        </p:nvSpPr>
+        <p:spPr>
+          <a:xfrm>
+            <a:off x="2224085" y="1629634"/>
+            <a:ext cx="1319216" cy="3170099"/>
+          </a:xfrm>
+          <a:prstGeom prst="rect">
+            <a:avLst/>
+          </a:prstGeom>
+          <a:noFill/>
+        </p:spPr>
+        <p:txBody>
+          <a:bodyPr wrap="square" rtlCol="0">
+            <a:spAutoFit/>
+          </a:bodyPr>
+          <a:lstStyle/>
+          <a:p>
+            <a:r>
+              <a:rPr lang="en-US" sz="20000" b="1" dirty="0"/>
+              <a:t>?</a:t>
+            </a:r>
+          </a:p>
+        </p:txBody>
+      </p:sp>
+    </p:spTree>
+    <p:extLst>
+      <p:ext uri="{BB962C8B-B14F-4D97-AF65-F5344CB8AC3E}">
+        <p14:creationId xmlns:p14="http://schemas.microsoft.com/office/powerpoint/2010/main" val="1397660072"/>
+      </p:ext>
+    </p:extLst>
+  </p:cSld>
+  <p:clrMapOvr>
+    <a:masterClrMapping/>
+  </p:clrMapOvr>
+</p:sld>
+</file>
+
+<file path=ppt/slides/slide6.xml><?xml version="1.0" encoding="utf-8"?>
+<p:sld xmlns:a="http://schemas.openxmlformats.org/drawingml/2006/main" xmlns:r="http://schemas.openxmlformats.org/officeDocument/2006/relationships" xmlns:p="http://schemas.openxmlformats.org/presentationml/2006/main">
+  <p:cSld>
+    <p:spTree>
+      <p:nvGrpSpPr>
+        <p:cNvPr id="1" name=""/>
+        <p:cNvGrpSpPr/>
+        <p:nvPr/>
+      </p:nvGrpSpPr>
+      <p:grpSpPr>
+        <a:xfrm>
+          <a:off x="0" y="0"/>
+          <a:ext cx="0" cy="0"/>
+          <a:chOff x="0" y="0"/>
+          <a:chExt cx="0" cy="0"/>
+        </a:xfrm>
+      </p:grpSpPr>
+      <p:sp>
+        <p:nvSpPr>
+          <p:cNvPr id="3" name="Content Placeholder 2">
+            <a:extLst>
+              <a:ext uri="{FF2B5EF4-FFF2-40B4-BE49-F238E27FC236}">
+                <a16:creationId xmlns:a16="http://schemas.microsoft.com/office/drawing/2014/main" id="{DCF754F6-EF0E-794B-AF21-11C14EAF2800}"/>
+              </a:ext>
+            </a:extLst>
+          </p:cNvPr>
+          <p:cNvSpPr>
+            <a:spLocks noGrp="1"/>
+          </p:cNvSpPr>
+          <p:nvPr>
+            <p:ph idx="1"/>
+          </p:nvPr>
+        </p:nvSpPr>
+        <p:spPr>
+          <a:xfrm>
+            <a:off x="1135855" y="1239838"/>
+            <a:ext cx="9034463" cy="1603375"/>
+          </a:xfrm>
+        </p:spPr>
+        <p:txBody>
+          <a:bodyPr>
+            <a:noAutofit/>
+          </a:bodyPr>
+          <a:lstStyle/>
+          <a:p>
+            <a:pPr marL="0" indent="0">
+              <a:buNone/>
+            </a:pPr>
+            <a:r>
+              <a:rPr lang="en-US" sz="4800" dirty="0"/>
+              <a:t>We are front end developers first. Framework developers second.</a:t>
+            </a:r>
+          </a:p>
+        </p:txBody>
+      </p:sp>
+    </p:spTree>
+    <p:extLst>
+      <p:ext uri="{BB962C8B-B14F-4D97-AF65-F5344CB8AC3E}">
+        <p14:creationId xmlns:p14="http://schemas.microsoft.com/office/powerpoint/2010/main" val="3366922067"/>
+      </p:ext>
+    </p:extLst>
+  </p:cSld>
+  <p:clrMapOvr>
+    <a:masterClrMapping/>
+  </p:clrMapOvr>
+</p:sld>
+</file>
+
+<file path=ppt/slides/slide7.xml><?xml version="1.0" encoding="utf-8"?>
 <p:sld xmlns:a="http://schemas.openxmlformats.org/drawingml/2006/main" xmlns:r="http://schemas.openxmlformats.org/officeDocument/2006/relationships" xmlns:p="http://schemas.openxmlformats.org/presentationml/2006/main">
   <p:cSld>
     <p:bg>
@@ -3600,7 +4482,7 @@
 </p:sld>
 </file>
 
-<file path=ppt/slides/slide4.xml><?xml version="1.0" encoding="utf-8"?>
+<file path=ppt/slides/slide8.xml><?xml version="1.0" encoding="utf-8"?>
 <p:sld xmlns:a="http://schemas.openxmlformats.org/drawingml/2006/main" xmlns:r="http://schemas.openxmlformats.org/officeDocument/2006/relationships" xmlns:p="http://schemas.openxmlformats.org/presentationml/2006/main">
   <p:cSld>
     <p:bg>
@@ -3982,42 +4864,12 @@
           </a:p>
         </p:txBody>
       </p:sp>
-    </p:spTree>
-    <p:extLst>
-      <p:ext uri="{BB962C8B-B14F-4D97-AF65-F5344CB8AC3E}">
-        <p14:creationId xmlns:p14="http://schemas.microsoft.com/office/powerpoint/2010/main" val="2083415772"/>
-      </p:ext>
-    </p:extLst>
-  </p:cSld>
-  <p:clrMapOvr>
-    <a:masterClrMapping/>
-  </p:clrMapOvr>
-</p:sld>
-</file>
-
-<file path=ppt/slides/slide5.xml><?xml version="1.0" encoding="utf-8"?>
-<p:sld xmlns:a="http://schemas.openxmlformats.org/drawingml/2006/main" xmlns:r="http://schemas.openxmlformats.org/officeDocument/2006/relationships" xmlns:p="http://schemas.openxmlformats.org/presentationml/2006/main">
-  <p:cSld>
-    <p:spTree>
-      <p:nvGrpSpPr>
-        <p:cNvPr id="1" name=""/>
-        <p:cNvGrpSpPr/>
-        <p:nvPr/>
-      </p:nvGrpSpPr>
-      <p:grpSpPr>
-        <a:xfrm>
-          <a:off x="0" y="0"/>
-          <a:ext cx="0" cy="0"/>
-          <a:chOff x="0" y="0"/>
-          <a:chExt cx="0" cy="0"/>
-        </a:xfrm>
-      </p:grpSpPr>
       <p:pic>
         <p:nvPicPr>
-          <p:cNvPr id="5" name="Content Placeholder 4">
-            <a:extLst>
-              <a:ext uri="{FF2B5EF4-FFF2-40B4-BE49-F238E27FC236}">
-                <a16:creationId xmlns:a16="http://schemas.microsoft.com/office/drawing/2014/main" id="{BB6F3794-F4A9-9541-B5B3-FB14B647221A}"/>
+          <p:cNvPr id="19" name="Content Placeholder 4">
+            <a:extLst>
+              <a:ext uri="{FF2B5EF4-FFF2-40B4-BE49-F238E27FC236}">
+                <a16:creationId xmlns:a16="http://schemas.microsoft.com/office/drawing/2014/main" id="{E98CE4C1-25EA-C04D-A7F6-70098AAE5816}"/>
               </a:ext>
             </a:extLst>
           </p:cNvPr>
@@ -4029,7 +4881,7 @@
           </p:nvPr>
         </p:nvPicPr>
         <p:blipFill>
-          <a:blip r:embed="rId2"/>
+          <a:blip r:embed="rId3"/>
           <a:stretch>
             <a:fillRect/>
           </a:stretch>
@@ -4044,7 +4896,7 @@
     </p:spTree>
     <p:extLst>
       <p:ext uri="{BB962C8B-B14F-4D97-AF65-F5344CB8AC3E}">
-        <p14:creationId xmlns:p14="http://schemas.microsoft.com/office/powerpoint/2010/main" val="3964029668"/>
+        <p14:creationId xmlns:p14="http://schemas.microsoft.com/office/powerpoint/2010/main" val="2083415772"/>
       </p:ext>
     </p:extLst>
   </p:cSld>
@@ -4085,7 +4937,7 @@
                                           </p:stCondLst>
                                         </p:cTn>
                                         <p:tgtEl>
-                                          <p:spTgt spid="5"/>
+                                          <p:spTgt spid="19"/>
                                         </p:tgtEl>
                                         <p:attrNameLst>
                                           <p:attrName>style.visibility</p:attrName>
@@ -4099,7 +4951,7 @@
                                       <p:cBhvr additive="base">
                                         <p:cTn id="7" dur="500" fill="hold"/>
                                         <p:tgtEl>
-                                          <p:spTgt spid="5"/>
+                                          <p:spTgt spid="19"/>
                                         </p:tgtEl>
                                         <p:attrNameLst>
                                           <p:attrName>ppt_x</p:attrName>
@@ -4122,7 +4974,7 @@
                                       <p:cBhvr additive="base">
                                         <p:cTn id="8" dur="500" fill="hold"/>
                                         <p:tgtEl>
-                                          <p:spTgt spid="5"/>
+                                          <p:spTgt spid="19"/>
                                         </p:tgtEl>
                                         <p:attrNameLst>
                                           <p:attrName>ppt_y</p:attrName>
@@ -4175,7 +5027,7 @@
 </p:sld>
 </file>
 
-<file path=ppt/slides/slide6.xml><?xml version="1.0" encoding="utf-8"?>
+<file path=ppt/slides/slide9.xml><?xml version="1.0" encoding="utf-8"?>
 <p:sld xmlns:a="http://schemas.openxmlformats.org/drawingml/2006/main" xmlns:r="http://schemas.openxmlformats.org/officeDocument/2006/relationships" xmlns:p="http://schemas.openxmlformats.org/presentationml/2006/main">
   <p:cSld>
     <p:spTree>
@@ -4192,64 +5044,118 @@
           <a:chExt cx="0" cy="0"/>
         </a:xfrm>
       </p:grpSpPr>
-      <p:sp>
-        <p:nvSpPr>
-          <p:cNvPr id="2" name="Title 1">
-            <a:extLst>
-              <a:ext uri="{FF2B5EF4-FFF2-40B4-BE49-F238E27FC236}">
-                <a16:creationId xmlns:a16="http://schemas.microsoft.com/office/drawing/2014/main" id="{3810B01B-B390-A64E-81B3-A20ACE3A199B}"/>
-              </a:ext>
-            </a:extLst>
-          </p:cNvPr>
-          <p:cNvSpPr>
-            <a:spLocks noGrp="1"/>
-          </p:cNvSpPr>
-          <p:nvPr>
-            <p:ph type="title"/>
-          </p:nvPr>
-        </p:nvSpPr>
-        <p:spPr/>
-        <p:txBody>
-          <a:bodyPr/>
-          <a:lstStyle/>
+      <p:pic>
+        <p:nvPicPr>
+          <p:cNvPr id="9" name="Content Placeholder 8">
+            <a:extLst>
+              <a:ext uri="{FF2B5EF4-FFF2-40B4-BE49-F238E27FC236}">
+                <a16:creationId xmlns:a16="http://schemas.microsoft.com/office/drawing/2014/main" id="{320268DA-2C6A-A141-8F73-B722CD0D5129}"/>
+              </a:ext>
+            </a:extLst>
+          </p:cNvPr>
+          <p:cNvPicPr>
+            <a:picLocks noGrp="1" noChangeAspect="1"/>
+          </p:cNvPicPr>
+          <p:nvPr>
+            <p:ph idx="1"/>
+          </p:nvPr>
+        </p:nvPicPr>
+        <p:blipFill>
+          <a:blip r:embed="rId2"/>
+          <a:stretch>
+            <a:fillRect/>
+          </a:stretch>
+        </p:blipFill>
+        <p:spPr>
+          <a:xfrm>
+            <a:off x="7135018" y="1253331"/>
+            <a:ext cx="4351338" cy="4351338"/>
+          </a:xfrm>
+        </p:spPr>
+      </p:pic>
+      <p:sp>
+        <p:nvSpPr>
+          <p:cNvPr id="10" name="TextBox 9">
+            <a:extLst>
+              <a:ext uri="{FF2B5EF4-FFF2-40B4-BE49-F238E27FC236}">
+                <a16:creationId xmlns:a16="http://schemas.microsoft.com/office/drawing/2014/main" id="{7A131944-3EBA-D84E-A096-5D6A3B8B3954}"/>
+              </a:ext>
+            </a:extLst>
+          </p:cNvPr>
+          <p:cNvSpPr txBox="1"/>
+          <p:nvPr/>
+        </p:nvSpPr>
+        <p:spPr>
+          <a:xfrm>
+            <a:off x="1071563" y="1443038"/>
+            <a:ext cx="4657725" cy="2308324"/>
+          </a:xfrm>
+          <a:prstGeom prst="rect">
+            <a:avLst/>
+          </a:prstGeom>
+          <a:noFill/>
+        </p:spPr>
+        <p:txBody>
+          <a:bodyPr wrap="square" rtlCol="0">
+            <a:spAutoFit/>
+          </a:bodyPr>
+          <a:lstStyle/>
+          <a:p>
+            <a:pPr marL="285750" indent="-285750">
+              <a:buFont typeface="Arial" panose="020B0604020202020204" pitchFamily="34" charset="0"/>
+              <a:buChar char="•"/>
+            </a:pPr>
+            <a:r>
+              <a:rPr lang="en-US" dirty="0"/>
+              <a:t>1995 (sometime before may) - Brendan </a:t>
+            </a:r>
+            <a:r>
+              <a:rPr lang="en-US" dirty="0" err="1"/>
+              <a:t>Eich</a:t>
+            </a:r>
+            <a:r>
+              <a:rPr lang="en-US" dirty="0"/>
+              <a:t> gets recruited by Netscape Communications to embed a programming language into Netscape Navigator</a:t>
+            </a:r>
+          </a:p>
+          <a:p>
+            <a:pPr marL="285750" indent="-285750">
+              <a:buFont typeface="Arial" panose="020B0604020202020204" pitchFamily="34" charset="0"/>
+              <a:buChar char="•"/>
+            </a:pPr>
+            <a:r>
+              <a:rPr lang="en-US" dirty="0"/>
+              <a:t>1995 (may) - Brendan </a:t>
+            </a:r>
+            <a:r>
+              <a:rPr lang="en-US" dirty="0" err="1"/>
+              <a:t>Eich</a:t>
+            </a:r>
+            <a:r>
+              <a:rPr lang="en-US" dirty="0"/>
+              <a:t> is tasked to create a prototype for a browser scripting language</a:t>
+            </a:r>
+          </a:p>
+          <a:p>
+            <a:pPr marL="285750" indent="-285750">
+              <a:buFont typeface="Arial" panose="020B0604020202020204" pitchFamily="34" charset="0"/>
+              <a:buChar char="•"/>
+            </a:pPr>
+            <a:r>
+              <a:rPr lang="en-US" dirty="0"/>
+              <a:t>10 days later – </a:t>
+            </a:r>
+            <a:r>
+              <a:rPr lang="en-US" dirty="0" err="1"/>
+              <a:t>Javascript</a:t>
+            </a:r>
+            <a:r>
+              <a:rPr lang="en-US" dirty="0"/>
+              <a:t> was born</a:t>
+            </a:r>
+          </a:p>
           <a:p>
             <a:endParaRPr lang="en-US" dirty="0"/>
-          </a:p>
-        </p:txBody>
-      </p:sp>
-      <p:sp>
-        <p:nvSpPr>
-          <p:cNvPr id="3" name="Content Placeholder 2">
-            <a:extLst>
-              <a:ext uri="{FF2B5EF4-FFF2-40B4-BE49-F238E27FC236}">
-                <a16:creationId xmlns:a16="http://schemas.microsoft.com/office/drawing/2014/main" id="{272238D0-7DCE-0E47-AA09-AAE7504DDAA1}"/>
-              </a:ext>
-            </a:extLst>
-          </p:cNvPr>
-          <p:cNvSpPr>
-            <a:spLocks noGrp="1"/>
-          </p:cNvSpPr>
-          <p:nvPr>
-            <p:ph idx="1"/>
-          </p:nvPr>
-        </p:nvSpPr>
-        <p:spPr/>
-        <p:txBody>
-          <a:bodyPr/>
-          <a:lstStyle/>
-          <a:p>
-            <a:r>
-              <a:rPr lang="en-US" dirty="0"/>
-              <a:t>We are </a:t>
-            </a:r>
-            <a:r>
-              <a:rPr lang="en-US" dirty="0" err="1"/>
-              <a:t>javascript</a:t>
-            </a:r>
-            <a:r>
-              <a:rPr lang="en-US" dirty="0"/>
-              <a:t> developers first. Framework developers second.</a:t>
-            </a:r>
           </a:p>
         </p:txBody>
       </p:sp>

--- a/deck.pptx
+++ b/deck.pptx
@@ -3428,7 +3428,7 @@
         </p:nvSpPr>
         <p:spPr>
           <a:xfrm>
-            <a:off x="838200" y="1825625"/>
+            <a:off x="3738564" y="3325812"/>
             <a:ext cx="7448550" cy="774700"/>
           </a:xfrm>
         </p:spPr>
@@ -3444,6 +3444,41 @@
             <a:r>
               <a:rPr lang="en-US" sz="4000" dirty="0"/>
               <a:t>Now we can do cool things like ….</a:t>
+            </a:r>
+          </a:p>
+        </p:txBody>
+      </p:sp>
+      <p:sp>
+        <p:nvSpPr>
+          <p:cNvPr id="4" name="TextBox 3">
+            <a:extLst>
+              <a:ext uri="{FF2B5EF4-FFF2-40B4-BE49-F238E27FC236}">
+                <a16:creationId xmlns:a16="http://schemas.microsoft.com/office/drawing/2014/main" id="{7FF98DB6-E6B1-D644-A17E-CCD00FEF7947}"/>
+              </a:ext>
+            </a:extLst>
+          </p:cNvPr>
+          <p:cNvSpPr txBox="1"/>
+          <p:nvPr/>
+        </p:nvSpPr>
+        <p:spPr>
+          <a:xfrm>
+            <a:off x="881063" y="599738"/>
+            <a:ext cx="10186988" cy="1446550"/>
+          </a:xfrm>
+          <a:prstGeom prst="rect">
+            <a:avLst/>
+          </a:prstGeom>
+          <a:noFill/>
+        </p:spPr>
+        <p:txBody>
+          <a:bodyPr wrap="square" rtlCol="0">
+            <a:spAutoFit/>
+          </a:bodyPr>
+          <a:lstStyle/>
+          <a:p>
+            <a:r>
+              <a:rPr lang="en-US" sz="4400" dirty="0"/>
+              <a:t>With the introduction of JS, developers could start adding behaviors to our website. </a:t>
             </a:r>
           </a:p>
         </p:txBody>
@@ -3500,6 +3535,41 @@
           <a:lstStyle/>
           <a:p>
             <a:endParaRPr lang="en-US"/>
+          </a:p>
+        </p:txBody>
+      </p:sp>
+      <p:sp>
+        <p:nvSpPr>
+          <p:cNvPr id="4" name="TextBox 3">
+            <a:extLst>
+              <a:ext uri="{FF2B5EF4-FFF2-40B4-BE49-F238E27FC236}">
+                <a16:creationId xmlns:a16="http://schemas.microsoft.com/office/drawing/2014/main" id="{2813686D-EDA6-9548-B1D3-519146B94C1E}"/>
+              </a:ext>
+            </a:extLst>
+          </p:cNvPr>
+          <p:cNvSpPr txBox="1"/>
+          <p:nvPr/>
+        </p:nvSpPr>
+        <p:spPr>
+          <a:xfrm>
+            <a:off x="838200" y="681037"/>
+            <a:ext cx="8015288" cy="584775"/>
+          </a:xfrm>
+          <a:prstGeom prst="rect">
+            <a:avLst/>
+          </a:prstGeom>
+          <a:noFill/>
+        </p:spPr>
+        <p:txBody>
+          <a:bodyPr wrap="square" rtlCol="0">
+            <a:spAutoFit/>
+          </a:bodyPr>
+          <a:lstStyle/>
+          <a:p>
+            <a:r>
+              <a:rPr lang="en-US" sz="3200" b="1" dirty="0"/>
+              <a:t>A Click event in React</a:t>
+            </a:r>
           </a:p>
         </p:txBody>
       </p:sp>
@@ -4426,15 +4496,7 @@
           <a:p>
             <a:r>
               <a:rPr lang="en-US" dirty="0"/>
-              <a:t>1991- HTML becomes </a:t>
-            </a:r>
-            <a:r>
-              <a:rPr lang="en-US" dirty="0" err="1"/>
-              <a:t>publicaly</a:t>
-            </a:r>
-            <a:r>
-              <a:rPr lang="en-US" dirty="0"/>
-              <a:t> available</a:t>
+              <a:t>1991- HTML becomes publicly available</a:t>
             </a:r>
           </a:p>
         </p:txBody>

--- a/deck.pptx
+++ b/deck.pptx
@@ -4,19 +4,29 @@
   <p:sldMasterIdLst>
     <p:sldMasterId id="2147483648" r:id="rId1"/>
   </p:sldMasterIdLst>
+  <p:notesMasterIdLst>
+    <p:notesMasterId r:id="rId21"/>
+  </p:notesMasterIdLst>
   <p:sldIdLst>
     <p:sldId id="256" r:id="rId2"/>
     <p:sldId id="259" r:id="rId3"/>
     <p:sldId id="262" r:id="rId4"/>
     <p:sldId id="263" r:id="rId5"/>
-    <p:sldId id="264" r:id="rId6"/>
-    <p:sldId id="265" r:id="rId7"/>
-    <p:sldId id="258" r:id="rId8"/>
-    <p:sldId id="260" r:id="rId9"/>
-    <p:sldId id="257" r:id="rId10"/>
-    <p:sldId id="266" r:id="rId11"/>
-    <p:sldId id="267" r:id="rId12"/>
-    <p:sldId id="261" r:id="rId13"/>
+    <p:sldId id="269" r:id="rId6"/>
+    <p:sldId id="264" r:id="rId7"/>
+    <p:sldId id="265" r:id="rId8"/>
+    <p:sldId id="258" r:id="rId9"/>
+    <p:sldId id="260" r:id="rId10"/>
+    <p:sldId id="257" r:id="rId11"/>
+    <p:sldId id="266" r:id="rId12"/>
+    <p:sldId id="267" r:id="rId13"/>
+    <p:sldId id="270" r:id="rId14"/>
+    <p:sldId id="271" r:id="rId15"/>
+    <p:sldId id="272" r:id="rId16"/>
+    <p:sldId id="273" r:id="rId17"/>
+    <p:sldId id="274" r:id="rId18"/>
+    <p:sldId id="275" r:id="rId19"/>
+    <p:sldId id="276" r:id="rId20"/>
   </p:sldIdLst>
   <p:sldSz cx="12192000" cy="6858000"/>
   <p:notesSz cx="6858000" cy="9144000"/>
@@ -115,7 +125,445 @@
       </a:defRPr>
     </a:lvl9pPr>
   </p:defaultTextStyle>
+  <p:extLst>
+    <p:ext uri="{EFAFB233-063F-42B5-8137-9DF3F51BA10A}">
+      <p15:sldGuideLst xmlns:p15="http://schemas.microsoft.com/office/powerpoint/2012/main"/>
+    </p:ext>
+  </p:extLst>
 </p:presentation>
+</file>
+
+<file path=ppt/notesMasters/notesMaster1.xml><?xml version="1.0" encoding="utf-8"?>
+<p:notesMaster xmlns:a="http://schemas.openxmlformats.org/drawingml/2006/main" xmlns:r="http://schemas.openxmlformats.org/officeDocument/2006/relationships" xmlns:p="http://schemas.openxmlformats.org/presentationml/2006/main">
+  <p:cSld>
+    <p:bg>
+      <p:bgRef idx="1001">
+        <a:schemeClr val="bg1"/>
+      </p:bgRef>
+    </p:bg>
+    <p:spTree>
+      <p:nvGrpSpPr>
+        <p:cNvPr id="1" name=""/>
+        <p:cNvGrpSpPr/>
+        <p:nvPr/>
+      </p:nvGrpSpPr>
+      <p:grpSpPr>
+        <a:xfrm>
+          <a:off x="0" y="0"/>
+          <a:ext cx="0" cy="0"/>
+          <a:chOff x="0" y="0"/>
+          <a:chExt cx="0" cy="0"/>
+        </a:xfrm>
+      </p:grpSpPr>
+      <p:sp>
+        <p:nvSpPr>
+          <p:cNvPr id="2" name="Header Placeholder 1"/>
+          <p:cNvSpPr>
+            <a:spLocks noGrp="1"/>
+          </p:cNvSpPr>
+          <p:nvPr>
+            <p:ph type="hdr" sz="quarter"/>
+          </p:nvPr>
+        </p:nvSpPr>
+        <p:spPr>
+          <a:xfrm>
+            <a:off x="0" y="0"/>
+            <a:ext cx="2971800" cy="458788"/>
+          </a:xfrm>
+          <a:prstGeom prst="rect">
+            <a:avLst/>
+          </a:prstGeom>
+        </p:spPr>
+        <p:txBody>
+          <a:bodyPr vert="horz" lIns="91440" tIns="45720" rIns="91440" bIns="45720" rtlCol="0"/>
+          <a:lstStyle>
+            <a:lvl1pPr algn="l">
+              <a:defRPr sz="1200"/>
+            </a:lvl1pPr>
+          </a:lstStyle>
+          <a:p>
+            <a:endParaRPr lang="en-US"/>
+          </a:p>
+        </p:txBody>
+      </p:sp>
+      <p:sp>
+        <p:nvSpPr>
+          <p:cNvPr id="3" name="Date Placeholder 2"/>
+          <p:cNvSpPr>
+            <a:spLocks noGrp="1"/>
+          </p:cNvSpPr>
+          <p:nvPr>
+            <p:ph type="dt" idx="1"/>
+          </p:nvPr>
+        </p:nvSpPr>
+        <p:spPr>
+          <a:xfrm>
+            <a:off x="3884613" y="0"/>
+            <a:ext cx="2971800" cy="458788"/>
+          </a:xfrm>
+          <a:prstGeom prst="rect">
+            <a:avLst/>
+          </a:prstGeom>
+        </p:spPr>
+        <p:txBody>
+          <a:bodyPr vert="horz" lIns="91440" tIns="45720" rIns="91440" bIns="45720" rtlCol="0"/>
+          <a:lstStyle>
+            <a:lvl1pPr algn="r">
+              <a:defRPr sz="1200"/>
+            </a:lvl1pPr>
+          </a:lstStyle>
+          <a:p>
+            <a:fld id="{9CC48C4A-5254-FB46-893B-DDA4DA7ED9C6}" type="datetimeFigureOut">
+              <a:rPr lang="en-US" smtClean="0"/>
+              <a:t>3/20/19</a:t>
+            </a:fld>
+            <a:endParaRPr lang="en-US"/>
+          </a:p>
+        </p:txBody>
+      </p:sp>
+      <p:sp>
+        <p:nvSpPr>
+          <p:cNvPr id="4" name="Slide Image Placeholder 3"/>
+          <p:cNvSpPr>
+            <a:spLocks noGrp="1" noRot="1" noChangeAspect="1"/>
+          </p:cNvSpPr>
+          <p:nvPr>
+            <p:ph type="sldImg" idx="2"/>
+          </p:nvPr>
+        </p:nvSpPr>
+        <p:spPr>
+          <a:xfrm>
+            <a:off x="685800" y="1143000"/>
+            <a:ext cx="5486400" cy="3086100"/>
+          </a:xfrm>
+          <a:prstGeom prst="rect">
+            <a:avLst/>
+          </a:prstGeom>
+          <a:noFill/>
+          <a:ln w="12700">
+            <a:solidFill>
+              <a:prstClr val="black"/>
+            </a:solidFill>
+          </a:ln>
+        </p:spPr>
+        <p:txBody>
+          <a:bodyPr vert="horz" lIns="91440" tIns="45720" rIns="91440" bIns="45720" rtlCol="0" anchor="ctr"/>
+          <a:lstStyle/>
+          <a:p>
+            <a:endParaRPr lang="en-US"/>
+          </a:p>
+        </p:txBody>
+      </p:sp>
+      <p:sp>
+        <p:nvSpPr>
+          <p:cNvPr id="5" name="Notes Placeholder 4"/>
+          <p:cNvSpPr>
+            <a:spLocks noGrp="1"/>
+          </p:cNvSpPr>
+          <p:nvPr>
+            <p:ph type="body" sz="quarter" idx="3"/>
+          </p:nvPr>
+        </p:nvSpPr>
+        <p:spPr>
+          <a:xfrm>
+            <a:off x="685800" y="4400550"/>
+            <a:ext cx="5486400" cy="3600450"/>
+          </a:xfrm>
+          <a:prstGeom prst="rect">
+            <a:avLst/>
+          </a:prstGeom>
+        </p:spPr>
+        <p:txBody>
+          <a:bodyPr vert="horz" lIns="91440" tIns="45720" rIns="91440" bIns="45720" rtlCol="0"/>
+          <a:lstStyle/>
+          <a:p>
+            <a:pPr lvl="0"/>
+            <a:r>
+              <a:rPr lang="en-US"/>
+              <a:t>Click to edit Master text styles</a:t>
+            </a:r>
+          </a:p>
+          <a:p>
+            <a:pPr lvl="1"/>
+            <a:r>
+              <a:rPr lang="en-US"/>
+              <a:t>Second level</a:t>
+            </a:r>
+          </a:p>
+          <a:p>
+            <a:pPr lvl="2"/>
+            <a:r>
+              <a:rPr lang="en-US"/>
+              <a:t>Third level</a:t>
+            </a:r>
+          </a:p>
+          <a:p>
+            <a:pPr lvl="3"/>
+            <a:r>
+              <a:rPr lang="en-US"/>
+              <a:t>Fourth level</a:t>
+            </a:r>
+          </a:p>
+          <a:p>
+            <a:pPr lvl="4"/>
+            <a:r>
+              <a:rPr lang="en-US"/>
+              <a:t>Fifth level</a:t>
+            </a:r>
+          </a:p>
+        </p:txBody>
+      </p:sp>
+      <p:sp>
+        <p:nvSpPr>
+          <p:cNvPr id="6" name="Footer Placeholder 5"/>
+          <p:cNvSpPr>
+            <a:spLocks noGrp="1"/>
+          </p:cNvSpPr>
+          <p:nvPr>
+            <p:ph type="ftr" sz="quarter" idx="4"/>
+          </p:nvPr>
+        </p:nvSpPr>
+        <p:spPr>
+          <a:xfrm>
+            <a:off x="0" y="8685213"/>
+            <a:ext cx="2971800" cy="458787"/>
+          </a:xfrm>
+          <a:prstGeom prst="rect">
+            <a:avLst/>
+          </a:prstGeom>
+        </p:spPr>
+        <p:txBody>
+          <a:bodyPr vert="horz" lIns="91440" tIns="45720" rIns="91440" bIns="45720" rtlCol="0" anchor="b"/>
+          <a:lstStyle>
+            <a:lvl1pPr algn="l">
+              <a:defRPr sz="1200"/>
+            </a:lvl1pPr>
+          </a:lstStyle>
+          <a:p>
+            <a:endParaRPr lang="en-US"/>
+          </a:p>
+        </p:txBody>
+      </p:sp>
+      <p:sp>
+        <p:nvSpPr>
+          <p:cNvPr id="7" name="Slide Number Placeholder 6"/>
+          <p:cNvSpPr>
+            <a:spLocks noGrp="1"/>
+          </p:cNvSpPr>
+          <p:nvPr>
+            <p:ph type="sldNum" sz="quarter" idx="5"/>
+          </p:nvPr>
+        </p:nvSpPr>
+        <p:spPr>
+          <a:xfrm>
+            <a:off x="3884613" y="8685213"/>
+            <a:ext cx="2971800" cy="458787"/>
+          </a:xfrm>
+          <a:prstGeom prst="rect">
+            <a:avLst/>
+          </a:prstGeom>
+        </p:spPr>
+        <p:txBody>
+          <a:bodyPr vert="horz" lIns="91440" tIns="45720" rIns="91440" bIns="45720" rtlCol="0" anchor="b"/>
+          <a:lstStyle>
+            <a:lvl1pPr algn="r">
+              <a:defRPr sz="1200"/>
+            </a:lvl1pPr>
+          </a:lstStyle>
+          <a:p>
+            <a:fld id="{DF628C03-9BFD-BE4B-BA8C-010E09FF8FF3}" type="slidenum">
+              <a:rPr lang="en-US" smtClean="0"/>
+              <a:t>‹#›</a:t>
+            </a:fld>
+            <a:endParaRPr lang="en-US"/>
+          </a:p>
+        </p:txBody>
+      </p:sp>
+    </p:spTree>
+    <p:extLst>
+      <p:ext uri="{BB962C8B-B14F-4D97-AF65-F5344CB8AC3E}">
+        <p14:creationId xmlns:p14="http://schemas.microsoft.com/office/powerpoint/2010/main" val="3100295436"/>
+      </p:ext>
+    </p:extLst>
+  </p:cSld>
+  <p:clrMap bg1="lt1" tx1="dk1" bg2="lt2" tx2="dk2" accent1="accent1" accent2="accent2" accent3="accent3" accent4="accent4" accent5="accent5" accent6="accent6" hlink="hlink" folHlink="folHlink"/>
+  <p:notesStyle>
+    <a:lvl1pPr marL="0" algn="l" defTabSz="914400" rtl="0" eaLnBrk="1" latinLnBrk="0" hangingPunct="1">
+      <a:defRPr sz="1200" kern="1200">
+        <a:solidFill>
+          <a:schemeClr val="tx1"/>
+        </a:solidFill>
+        <a:latin typeface="+mn-lt"/>
+        <a:ea typeface="+mn-ea"/>
+        <a:cs typeface="+mn-cs"/>
+      </a:defRPr>
+    </a:lvl1pPr>
+    <a:lvl2pPr marL="457200" algn="l" defTabSz="914400" rtl="0" eaLnBrk="1" latinLnBrk="0" hangingPunct="1">
+      <a:defRPr sz="1200" kern="1200">
+        <a:solidFill>
+          <a:schemeClr val="tx1"/>
+        </a:solidFill>
+        <a:latin typeface="+mn-lt"/>
+        <a:ea typeface="+mn-ea"/>
+        <a:cs typeface="+mn-cs"/>
+      </a:defRPr>
+    </a:lvl2pPr>
+    <a:lvl3pPr marL="914400" algn="l" defTabSz="914400" rtl="0" eaLnBrk="1" latinLnBrk="0" hangingPunct="1">
+      <a:defRPr sz="1200" kern="1200">
+        <a:solidFill>
+          <a:schemeClr val="tx1"/>
+        </a:solidFill>
+        <a:latin typeface="+mn-lt"/>
+        <a:ea typeface="+mn-ea"/>
+        <a:cs typeface="+mn-cs"/>
+      </a:defRPr>
+    </a:lvl3pPr>
+    <a:lvl4pPr marL="1371600" algn="l" defTabSz="914400" rtl="0" eaLnBrk="1" latinLnBrk="0" hangingPunct="1">
+      <a:defRPr sz="1200" kern="1200">
+        <a:solidFill>
+          <a:schemeClr val="tx1"/>
+        </a:solidFill>
+        <a:latin typeface="+mn-lt"/>
+        <a:ea typeface="+mn-ea"/>
+        <a:cs typeface="+mn-cs"/>
+      </a:defRPr>
+    </a:lvl4pPr>
+    <a:lvl5pPr marL="1828800" algn="l" defTabSz="914400" rtl="0" eaLnBrk="1" latinLnBrk="0" hangingPunct="1">
+      <a:defRPr sz="1200" kern="1200">
+        <a:solidFill>
+          <a:schemeClr val="tx1"/>
+        </a:solidFill>
+        <a:latin typeface="+mn-lt"/>
+        <a:ea typeface="+mn-ea"/>
+        <a:cs typeface="+mn-cs"/>
+      </a:defRPr>
+    </a:lvl5pPr>
+    <a:lvl6pPr marL="2286000" algn="l" defTabSz="914400" rtl="0" eaLnBrk="1" latinLnBrk="0" hangingPunct="1">
+      <a:defRPr sz="1200" kern="1200">
+        <a:solidFill>
+          <a:schemeClr val="tx1"/>
+        </a:solidFill>
+        <a:latin typeface="+mn-lt"/>
+        <a:ea typeface="+mn-ea"/>
+        <a:cs typeface="+mn-cs"/>
+      </a:defRPr>
+    </a:lvl6pPr>
+    <a:lvl7pPr marL="2743200" algn="l" defTabSz="914400" rtl="0" eaLnBrk="1" latinLnBrk="0" hangingPunct="1">
+      <a:defRPr sz="1200" kern="1200">
+        <a:solidFill>
+          <a:schemeClr val="tx1"/>
+        </a:solidFill>
+        <a:latin typeface="+mn-lt"/>
+        <a:ea typeface="+mn-ea"/>
+        <a:cs typeface="+mn-cs"/>
+      </a:defRPr>
+    </a:lvl7pPr>
+    <a:lvl8pPr marL="3200400" algn="l" defTabSz="914400" rtl="0" eaLnBrk="1" latinLnBrk="0" hangingPunct="1">
+      <a:defRPr sz="1200" kern="1200">
+        <a:solidFill>
+          <a:schemeClr val="tx1"/>
+        </a:solidFill>
+        <a:latin typeface="+mn-lt"/>
+        <a:ea typeface="+mn-ea"/>
+        <a:cs typeface="+mn-cs"/>
+      </a:defRPr>
+    </a:lvl8pPr>
+    <a:lvl9pPr marL="3657600" algn="l" defTabSz="914400" rtl="0" eaLnBrk="1" latinLnBrk="0" hangingPunct="1">
+      <a:defRPr sz="1200" kern="1200">
+        <a:solidFill>
+          <a:schemeClr val="tx1"/>
+        </a:solidFill>
+        <a:latin typeface="+mn-lt"/>
+        <a:ea typeface="+mn-ea"/>
+        <a:cs typeface="+mn-cs"/>
+      </a:defRPr>
+    </a:lvl9pPr>
+  </p:notesStyle>
+</p:notesMaster>
+</file>
+
+<file path=ppt/notesSlides/notesSlide1.xml><?xml version="1.0" encoding="utf-8"?>
+<p:notes xmlns:a="http://schemas.openxmlformats.org/drawingml/2006/main" xmlns:r="http://schemas.openxmlformats.org/officeDocument/2006/relationships" xmlns:p="http://schemas.openxmlformats.org/presentationml/2006/main">
+  <p:cSld>
+    <p:spTree>
+      <p:nvGrpSpPr>
+        <p:cNvPr id="1" name=""/>
+        <p:cNvGrpSpPr/>
+        <p:nvPr/>
+      </p:nvGrpSpPr>
+      <p:grpSpPr>
+        <a:xfrm>
+          <a:off x="0" y="0"/>
+          <a:ext cx="0" cy="0"/>
+          <a:chOff x="0" y="0"/>
+          <a:chExt cx="0" cy="0"/>
+        </a:xfrm>
+      </p:grpSpPr>
+      <p:sp>
+        <p:nvSpPr>
+          <p:cNvPr id="2" name="Slide Image Placeholder 1"/>
+          <p:cNvSpPr>
+            <a:spLocks noGrp="1" noRot="1" noChangeAspect="1"/>
+          </p:cNvSpPr>
+          <p:nvPr>
+            <p:ph type="sldImg"/>
+          </p:nvPr>
+        </p:nvSpPr>
+        <p:spPr/>
+      </p:sp>
+      <p:sp>
+        <p:nvSpPr>
+          <p:cNvPr id="3" name="Notes Placeholder 2"/>
+          <p:cNvSpPr>
+            <a:spLocks noGrp="1"/>
+          </p:cNvSpPr>
+          <p:nvPr>
+            <p:ph type="body" idx="1"/>
+          </p:nvPr>
+        </p:nvSpPr>
+        <p:spPr/>
+        <p:txBody>
+          <a:bodyPr/>
+          <a:lstStyle/>
+          <a:p>
+            <a:endParaRPr lang="en-US" dirty="0"/>
+          </a:p>
+        </p:txBody>
+      </p:sp>
+      <p:sp>
+        <p:nvSpPr>
+          <p:cNvPr id="4" name="Slide Number Placeholder 3"/>
+          <p:cNvSpPr>
+            <a:spLocks noGrp="1"/>
+          </p:cNvSpPr>
+          <p:nvPr>
+            <p:ph type="sldNum" sz="quarter" idx="5"/>
+          </p:nvPr>
+        </p:nvSpPr>
+        <p:spPr/>
+        <p:txBody>
+          <a:bodyPr/>
+          <a:lstStyle/>
+          <a:p>
+            <a:fld id="{DF628C03-9BFD-BE4B-BA8C-010E09FF8FF3}" type="slidenum">
+              <a:rPr lang="en-US" smtClean="0"/>
+              <a:t>1</a:t>
+            </a:fld>
+            <a:endParaRPr lang="en-US"/>
+          </a:p>
+        </p:txBody>
+      </p:sp>
+    </p:spTree>
+    <p:extLst>
+      <p:ext uri="{BB962C8B-B14F-4D97-AF65-F5344CB8AC3E}">
+        <p14:creationId xmlns:p14="http://schemas.microsoft.com/office/powerpoint/2010/main" val="924146815"/>
+      </p:ext>
+    </p:extLst>
+  </p:cSld>
+  <p:clrMapOvr>
+    <a:masterClrMapping/>
+  </p:clrMapOvr>
+</p:notes>
 </file>
 
 <file path=ppt/slideLayouts/slideLayout1.xml><?xml version="1.0" encoding="utf-8"?>
@@ -265,7 +713,7 @@
           <a:p>
             <a:fld id="{CD8696C2-5727-F34A-B99B-4D2F4FABA14A}" type="datetimeFigureOut">
               <a:rPr lang="en-US" smtClean="0"/>
-              <a:t>3/19/19</a:t>
+              <a:t>3/20/19</a:t>
             </a:fld>
             <a:endParaRPr lang="en-US"/>
           </a:p>
@@ -463,7 +911,7 @@
           <a:p>
             <a:fld id="{CD8696C2-5727-F34A-B99B-4D2F4FABA14A}" type="datetimeFigureOut">
               <a:rPr lang="en-US" smtClean="0"/>
-              <a:t>3/19/19</a:t>
+              <a:t>3/20/19</a:t>
             </a:fld>
             <a:endParaRPr lang="en-US"/>
           </a:p>
@@ -671,7 +1119,7 @@
           <a:p>
             <a:fld id="{CD8696C2-5727-F34A-B99B-4D2F4FABA14A}" type="datetimeFigureOut">
               <a:rPr lang="en-US" smtClean="0"/>
-              <a:t>3/19/19</a:t>
+              <a:t>3/20/19</a:t>
             </a:fld>
             <a:endParaRPr lang="en-US"/>
           </a:p>
@@ -869,7 +1317,7 @@
           <a:p>
             <a:fld id="{CD8696C2-5727-F34A-B99B-4D2F4FABA14A}" type="datetimeFigureOut">
               <a:rPr lang="en-US" smtClean="0"/>
-              <a:t>3/19/19</a:t>
+              <a:t>3/20/19</a:t>
             </a:fld>
             <a:endParaRPr lang="en-US"/>
           </a:p>
@@ -1144,7 +1592,7 @@
           <a:p>
             <a:fld id="{CD8696C2-5727-F34A-B99B-4D2F4FABA14A}" type="datetimeFigureOut">
               <a:rPr lang="en-US" smtClean="0"/>
-              <a:t>3/19/19</a:t>
+              <a:t>3/20/19</a:t>
             </a:fld>
             <a:endParaRPr lang="en-US"/>
           </a:p>
@@ -1409,7 +1857,7 @@
           <a:p>
             <a:fld id="{CD8696C2-5727-F34A-B99B-4D2F4FABA14A}" type="datetimeFigureOut">
               <a:rPr lang="en-US" smtClean="0"/>
-              <a:t>3/19/19</a:t>
+              <a:t>3/20/19</a:t>
             </a:fld>
             <a:endParaRPr lang="en-US"/>
           </a:p>
@@ -1821,7 +2269,7 @@
           <a:p>
             <a:fld id="{CD8696C2-5727-F34A-B99B-4D2F4FABA14A}" type="datetimeFigureOut">
               <a:rPr lang="en-US" smtClean="0"/>
-              <a:t>3/19/19</a:t>
+              <a:t>3/20/19</a:t>
             </a:fld>
             <a:endParaRPr lang="en-US"/>
           </a:p>
@@ -1962,7 +2410,7 @@
           <a:p>
             <a:fld id="{CD8696C2-5727-F34A-B99B-4D2F4FABA14A}" type="datetimeFigureOut">
               <a:rPr lang="en-US" smtClean="0"/>
-              <a:t>3/19/19</a:t>
+              <a:t>3/20/19</a:t>
             </a:fld>
             <a:endParaRPr lang="en-US"/>
           </a:p>
@@ -2075,7 +2523,7 @@
           <a:p>
             <a:fld id="{CD8696C2-5727-F34A-B99B-4D2F4FABA14A}" type="datetimeFigureOut">
               <a:rPr lang="en-US" smtClean="0"/>
-              <a:t>3/19/19</a:t>
+              <a:t>3/20/19</a:t>
             </a:fld>
             <a:endParaRPr lang="en-US"/>
           </a:p>
@@ -2386,7 +2834,7 @@
           <a:p>
             <a:fld id="{CD8696C2-5727-F34A-B99B-4D2F4FABA14A}" type="datetimeFigureOut">
               <a:rPr lang="en-US" smtClean="0"/>
-              <a:t>3/19/19</a:t>
+              <a:t>3/20/19</a:t>
             </a:fld>
             <a:endParaRPr lang="en-US"/>
           </a:p>
@@ -2674,7 +3122,7 @@
           <a:p>
             <a:fld id="{CD8696C2-5727-F34A-B99B-4D2F4FABA14A}" type="datetimeFigureOut">
               <a:rPr lang="en-US" smtClean="0"/>
-              <a:t>3/19/19</a:t>
+              <a:t>3/20/19</a:t>
             </a:fld>
             <a:endParaRPr lang="en-US"/>
           </a:p>
@@ -2915,7 +3363,7 @@
           <a:p>
             <a:fld id="{CD8696C2-5727-F34A-B99B-4D2F4FABA14A}" type="datetimeFigureOut">
               <a:rPr lang="en-US" smtClean="0"/>
-              <a:t>3/19/19</a:t>
+              <a:t>3/20/19</a:t>
             </a:fld>
             <a:endParaRPr lang="en-US"/>
           </a:p>
@@ -3410,50 +3858,41 @@
           <a:chExt cx="0" cy="0"/>
         </a:xfrm>
       </p:grpSpPr>
-      <p:sp>
-        <p:nvSpPr>
-          <p:cNvPr id="3" name="Content Placeholder 2">
-            <a:extLst>
-              <a:ext uri="{FF2B5EF4-FFF2-40B4-BE49-F238E27FC236}">
-                <a16:creationId xmlns:a16="http://schemas.microsoft.com/office/drawing/2014/main" id="{CF7866AD-00DB-094E-8D2B-C962720BBDC2}"/>
-              </a:ext>
-            </a:extLst>
-          </p:cNvPr>
-          <p:cNvSpPr>
-            <a:spLocks noGrp="1"/>
-          </p:cNvSpPr>
+      <p:pic>
+        <p:nvPicPr>
+          <p:cNvPr id="9" name="Content Placeholder 8">
+            <a:extLst>
+              <a:ext uri="{FF2B5EF4-FFF2-40B4-BE49-F238E27FC236}">
+                <a16:creationId xmlns:a16="http://schemas.microsoft.com/office/drawing/2014/main" id="{320268DA-2C6A-A141-8F73-B722CD0D5129}"/>
+              </a:ext>
+            </a:extLst>
+          </p:cNvPr>
+          <p:cNvPicPr>
+            <a:picLocks noGrp="1" noChangeAspect="1"/>
+          </p:cNvPicPr>
           <p:nvPr>
             <p:ph idx="1"/>
           </p:nvPr>
-        </p:nvSpPr>
-        <p:spPr>
-          <a:xfrm>
-            <a:off x="3738564" y="3325812"/>
-            <a:ext cx="7448550" cy="774700"/>
-          </a:xfrm>
-        </p:spPr>
-        <p:txBody>
-          <a:bodyPr>
-            <a:noAutofit/>
-          </a:bodyPr>
-          <a:lstStyle/>
-          <a:p>
-            <a:pPr marL="0" indent="0">
-              <a:buNone/>
-            </a:pPr>
-            <a:r>
-              <a:rPr lang="en-US" sz="4000" dirty="0"/>
-              <a:t>Now we can do cool things like ….</a:t>
-            </a:r>
-          </a:p>
-        </p:txBody>
-      </p:sp>
-      <p:sp>
-        <p:nvSpPr>
-          <p:cNvPr id="4" name="TextBox 3">
-            <a:extLst>
-              <a:ext uri="{FF2B5EF4-FFF2-40B4-BE49-F238E27FC236}">
-                <a16:creationId xmlns:a16="http://schemas.microsoft.com/office/drawing/2014/main" id="{7FF98DB6-E6B1-D644-A17E-CCD00FEF7947}"/>
+        </p:nvPicPr>
+        <p:blipFill>
+          <a:blip r:embed="rId2"/>
+          <a:stretch>
+            <a:fillRect/>
+          </a:stretch>
+        </p:blipFill>
+        <p:spPr>
+          <a:xfrm>
+            <a:off x="7135018" y="1253331"/>
+            <a:ext cx="4351338" cy="4351338"/>
+          </a:xfrm>
+        </p:spPr>
+      </p:pic>
+      <p:sp>
+        <p:nvSpPr>
+          <p:cNvPr id="10" name="TextBox 9">
+            <a:extLst>
+              <a:ext uri="{FF2B5EF4-FFF2-40B4-BE49-F238E27FC236}">
+                <a16:creationId xmlns:a16="http://schemas.microsoft.com/office/drawing/2014/main" id="{7A131944-3EBA-D84E-A096-5D6A3B8B3954}"/>
               </a:ext>
             </a:extLst>
           </p:cNvPr>
@@ -3462,8 +3901,8 @@
         </p:nvSpPr>
         <p:spPr>
           <a:xfrm>
-            <a:off x="881063" y="599738"/>
-            <a:ext cx="10186988" cy="1446550"/>
+            <a:off x="1071563" y="1443038"/>
+            <a:ext cx="4657725" cy="2308324"/>
           </a:xfrm>
           <a:prstGeom prst="rect">
             <a:avLst/>
@@ -3476,17 +3915,68 @@
           </a:bodyPr>
           <a:lstStyle/>
           <a:p>
-            <a:r>
-              <a:rPr lang="en-US" sz="4400" dirty="0"/>
-              <a:t>With the introduction of JS, developers could start adding behaviors to our website. </a:t>
-            </a:r>
+            <a:pPr marL="285750" indent="-285750">
+              <a:buFont typeface="Arial" panose="020B0604020202020204" pitchFamily="34" charset="0"/>
+              <a:buChar char="•"/>
+            </a:pPr>
+            <a:r>
+              <a:rPr lang="en-US" dirty="0"/>
+              <a:t>1995 (sometime before may) - Brendan </a:t>
+            </a:r>
+            <a:r>
+              <a:rPr lang="en-US" dirty="0" err="1"/>
+              <a:t>Eich</a:t>
+            </a:r>
+            <a:r>
+              <a:rPr lang="en-US" dirty="0"/>
+              <a:t> gets recruited by Netscape Communications to embed a programming language into Netscape Navigator</a:t>
+            </a:r>
+          </a:p>
+          <a:p>
+            <a:pPr marL="285750" indent="-285750">
+              <a:buFont typeface="Arial" panose="020B0604020202020204" pitchFamily="34" charset="0"/>
+              <a:buChar char="•"/>
+            </a:pPr>
+            <a:r>
+              <a:rPr lang="en-US" dirty="0"/>
+              <a:t>1995 (may) - Brendan </a:t>
+            </a:r>
+            <a:r>
+              <a:rPr lang="en-US" dirty="0" err="1"/>
+              <a:t>Eich</a:t>
+            </a:r>
+            <a:r>
+              <a:rPr lang="en-US" dirty="0"/>
+              <a:t> is tasked to create a prototype for a browser scripting language</a:t>
+            </a:r>
+          </a:p>
+          <a:p>
+            <a:pPr marL="285750" indent="-285750">
+              <a:buFont typeface="Arial" panose="020B0604020202020204" pitchFamily="34" charset="0"/>
+              <a:buChar char="•"/>
+            </a:pPr>
+            <a:r>
+              <a:rPr lang="en-US" dirty="0"/>
+              <a:t>10 days later – </a:t>
+            </a:r>
+            <a:r>
+              <a:rPr lang="en-US" dirty="0" err="1"/>
+              <a:t>Javascript</a:t>
+            </a:r>
+            <a:r>
+              <a:rPr lang="en-US" dirty="0"/>
+              <a:t> was born</a:t>
+            </a:r>
+          </a:p>
+          <a:p>
+            <a:endParaRPr lang="en-US" dirty="0"/>
           </a:p>
         </p:txBody>
       </p:sp>
     </p:spTree>
     <p:extLst>
       <p:ext uri="{BB962C8B-B14F-4D97-AF65-F5344CB8AC3E}">
-        <p14:creationId xmlns:p14="http://schemas.microsoft.com/office/powerpoint/2010/main" val="2984301058"/>
+        <p14:creationId xmlns:p14="http://schemas.microsoft.com/office/powerpoint/2010/main" val="2322396642"/>
       </p:ext>
     </p:extLst>
   </p:cSld>
@@ -3518,7 +4008,7 @@
           <p:cNvPr id="3" name="Content Placeholder 2">
             <a:extLst>
               <a:ext uri="{FF2B5EF4-FFF2-40B4-BE49-F238E27FC236}">
-                <a16:creationId xmlns:a16="http://schemas.microsoft.com/office/drawing/2014/main" id="{C5CDF9E0-B21F-294B-A580-EA722BE6C59C}"/>
+                <a16:creationId xmlns:a16="http://schemas.microsoft.com/office/drawing/2014/main" id="{CF7866AD-00DB-094E-8D2B-C962720BBDC2}"/>
               </a:ext>
             </a:extLst>
           </p:cNvPr>
@@ -3529,12 +4019,25 @@
             <p:ph idx="1"/>
           </p:nvPr>
         </p:nvSpPr>
-        <p:spPr/>
-        <p:txBody>
-          <a:bodyPr/>
-          <a:lstStyle/>
-          <a:p>
-            <a:endParaRPr lang="en-US"/>
+        <p:spPr>
+          <a:xfrm>
+            <a:off x="3738564" y="3325812"/>
+            <a:ext cx="7448550" cy="774700"/>
+          </a:xfrm>
+        </p:spPr>
+        <p:txBody>
+          <a:bodyPr>
+            <a:noAutofit/>
+          </a:bodyPr>
+          <a:lstStyle/>
+          <a:p>
+            <a:pPr marL="0" indent="0">
+              <a:buNone/>
+            </a:pPr>
+            <a:r>
+              <a:rPr lang="en-US" sz="4000" dirty="0"/>
+              <a:t>Now we can do cool things like ….</a:t>
+            </a:r>
           </a:p>
         </p:txBody>
       </p:sp>
@@ -3543,7 +4046,7 @@
           <p:cNvPr id="4" name="TextBox 3">
             <a:extLst>
               <a:ext uri="{FF2B5EF4-FFF2-40B4-BE49-F238E27FC236}">
-                <a16:creationId xmlns:a16="http://schemas.microsoft.com/office/drawing/2014/main" id="{2813686D-EDA6-9548-B1D3-519146B94C1E}"/>
+                <a16:creationId xmlns:a16="http://schemas.microsoft.com/office/drawing/2014/main" id="{7FF98DB6-E6B1-D644-A17E-CCD00FEF7947}"/>
               </a:ext>
             </a:extLst>
           </p:cNvPr>
@@ -3552,8 +4055,8 @@
         </p:nvSpPr>
         <p:spPr>
           <a:xfrm>
-            <a:off x="838200" y="681037"/>
-            <a:ext cx="8015288" cy="584775"/>
+            <a:off x="881063" y="599738"/>
+            <a:ext cx="10186988" cy="1446550"/>
           </a:xfrm>
           <a:prstGeom prst="rect">
             <a:avLst/>
@@ -3567,8 +4070,8 @@
           <a:lstStyle/>
           <a:p>
             <a:r>
-              <a:rPr lang="en-US" sz="3200" b="1" dirty="0"/>
-              <a:t>A Click event in React</a:t>
+              <a:rPr lang="en-US" sz="4400" dirty="0"/>
+              <a:t>With the introduction of JS, developers could start adding behaviors to our website. </a:t>
             </a:r>
           </a:p>
         </p:txBody>
@@ -3576,7 +4079,7 @@
     </p:spTree>
     <p:extLst>
       <p:ext uri="{BB962C8B-B14F-4D97-AF65-F5344CB8AC3E}">
-        <p14:creationId xmlns:p14="http://schemas.microsoft.com/office/powerpoint/2010/main" val="698575699"/>
+        <p14:creationId xmlns:p14="http://schemas.microsoft.com/office/powerpoint/2010/main" val="2984301058"/>
       </p:ext>
     </p:extLst>
   </p:cSld>
@@ -3608,7 +4111,7 @@
           <p:cNvPr id="5" name="Content Placeholder 4">
             <a:extLst>
               <a:ext uri="{FF2B5EF4-FFF2-40B4-BE49-F238E27FC236}">
-                <a16:creationId xmlns:a16="http://schemas.microsoft.com/office/drawing/2014/main" id="{BB6F3794-F4A9-9541-B5B3-FB14B647221A}"/>
+                <a16:creationId xmlns:a16="http://schemas.microsoft.com/office/drawing/2014/main" id="{A0DF7698-BDA1-B84C-B797-9CE1874A5CE9}"/>
               </a:ext>
             </a:extLst>
           </p:cNvPr>
@@ -3627,15 +4130,789 @@
         </p:blipFill>
         <p:spPr>
           <a:xfrm>
-            <a:off x="1" y="0"/>
-            <a:ext cx="12192000" cy="6858000"/>
+            <a:off x="2447924" y="1279828"/>
+            <a:ext cx="7296149" cy="4995771"/>
+          </a:xfrm>
+        </p:spPr>
+      </p:pic>
+      <p:sp>
+        <p:nvSpPr>
+          <p:cNvPr id="4" name="TextBox 3">
+            <a:extLst>
+              <a:ext uri="{FF2B5EF4-FFF2-40B4-BE49-F238E27FC236}">
+                <a16:creationId xmlns:a16="http://schemas.microsoft.com/office/drawing/2014/main" id="{2813686D-EDA6-9548-B1D3-519146B94C1E}"/>
+              </a:ext>
+            </a:extLst>
+          </p:cNvPr>
+          <p:cNvSpPr txBox="1"/>
+          <p:nvPr/>
+        </p:nvSpPr>
+        <p:spPr>
+          <a:xfrm>
+            <a:off x="2088355" y="379204"/>
+            <a:ext cx="8015288" cy="584775"/>
+          </a:xfrm>
+          <a:prstGeom prst="rect">
+            <a:avLst/>
+          </a:prstGeom>
+          <a:noFill/>
+        </p:spPr>
+        <p:txBody>
+          <a:bodyPr wrap="square" rtlCol="0">
+            <a:spAutoFit/>
+          </a:bodyPr>
+          <a:lstStyle/>
+          <a:p>
+            <a:pPr algn="ctr"/>
+            <a:r>
+              <a:rPr lang="en-US" sz="3200" b="1" dirty="0"/>
+              <a:t>A click event in React</a:t>
+            </a:r>
+          </a:p>
+        </p:txBody>
+      </p:sp>
+    </p:spTree>
+    <p:extLst>
+      <p:ext uri="{BB962C8B-B14F-4D97-AF65-F5344CB8AC3E}">
+        <p14:creationId xmlns:p14="http://schemas.microsoft.com/office/powerpoint/2010/main" val="698575699"/>
+      </p:ext>
+    </p:extLst>
+  </p:cSld>
+  <p:clrMapOvr>
+    <a:masterClrMapping/>
+  </p:clrMapOvr>
+</p:sld>
+</file>
+
+<file path=ppt/slides/slide13.xml><?xml version="1.0" encoding="utf-8"?>
+<p:sld xmlns:a="http://schemas.openxmlformats.org/drawingml/2006/main" xmlns:r="http://schemas.openxmlformats.org/officeDocument/2006/relationships" xmlns:p="http://schemas.openxmlformats.org/presentationml/2006/main">
+  <p:cSld>
+    <p:spTree>
+      <p:nvGrpSpPr>
+        <p:cNvPr id="1" name=""/>
+        <p:cNvGrpSpPr/>
+        <p:nvPr/>
+      </p:nvGrpSpPr>
+      <p:grpSpPr>
+        <a:xfrm>
+          <a:off x="0" y="0"/>
+          <a:ext cx="0" cy="0"/>
+          <a:chOff x="0" y="0"/>
+          <a:chExt cx="0" cy="0"/>
+        </a:xfrm>
+      </p:grpSpPr>
+      <p:sp>
+        <p:nvSpPr>
+          <p:cNvPr id="4" name="TextBox 3">
+            <a:extLst>
+              <a:ext uri="{FF2B5EF4-FFF2-40B4-BE49-F238E27FC236}">
+                <a16:creationId xmlns:a16="http://schemas.microsoft.com/office/drawing/2014/main" id="{2813686D-EDA6-9548-B1D3-519146B94C1E}"/>
+              </a:ext>
+            </a:extLst>
+          </p:cNvPr>
+          <p:cNvSpPr txBox="1"/>
+          <p:nvPr/>
+        </p:nvSpPr>
+        <p:spPr>
+          <a:xfrm>
+            <a:off x="2088355" y="379204"/>
+            <a:ext cx="8015288" cy="584775"/>
+          </a:xfrm>
+          <a:prstGeom prst="rect">
+            <a:avLst/>
+          </a:prstGeom>
+          <a:noFill/>
+        </p:spPr>
+        <p:txBody>
+          <a:bodyPr wrap="square" rtlCol="0">
+            <a:spAutoFit/>
+          </a:bodyPr>
+          <a:lstStyle/>
+          <a:p>
+            <a:pPr algn="ctr"/>
+            <a:r>
+              <a:rPr lang="en-US" sz="3200" b="1" dirty="0"/>
+              <a:t>A click event in Vue</a:t>
+            </a:r>
+          </a:p>
+        </p:txBody>
+      </p:sp>
+      <p:pic>
+        <p:nvPicPr>
+          <p:cNvPr id="11" name="Content Placeholder 10">
+            <a:extLst>
+              <a:ext uri="{FF2B5EF4-FFF2-40B4-BE49-F238E27FC236}">
+                <a16:creationId xmlns:a16="http://schemas.microsoft.com/office/drawing/2014/main" id="{4BBE73B0-6BCC-F648-BD64-99184424FDA5}"/>
+              </a:ext>
+            </a:extLst>
+          </p:cNvPr>
+          <p:cNvPicPr>
+            <a:picLocks noGrp="1" noChangeAspect="1"/>
+          </p:cNvPicPr>
+          <p:nvPr>
+            <p:ph idx="1"/>
+          </p:nvPr>
+        </p:nvPicPr>
+        <p:blipFill>
+          <a:blip r:embed="rId2"/>
+          <a:stretch>
+            <a:fillRect/>
+          </a:stretch>
+        </p:blipFill>
+        <p:spPr>
+          <a:xfrm>
+            <a:off x="3733602" y="1161144"/>
+            <a:ext cx="4724794" cy="5361196"/>
           </a:xfrm>
         </p:spPr>
       </p:pic>
     </p:spTree>
     <p:extLst>
       <p:ext uri="{BB962C8B-B14F-4D97-AF65-F5344CB8AC3E}">
-        <p14:creationId xmlns:p14="http://schemas.microsoft.com/office/powerpoint/2010/main" val="3964029668"/>
+        <p14:creationId xmlns:p14="http://schemas.microsoft.com/office/powerpoint/2010/main" val="2079783243"/>
+      </p:ext>
+    </p:extLst>
+  </p:cSld>
+  <p:clrMapOvr>
+    <a:masterClrMapping/>
+  </p:clrMapOvr>
+</p:sld>
+</file>
+
+<file path=ppt/slides/slide14.xml><?xml version="1.0" encoding="utf-8"?>
+<p:sld xmlns:a="http://schemas.openxmlformats.org/drawingml/2006/main" xmlns:r="http://schemas.openxmlformats.org/officeDocument/2006/relationships" xmlns:p="http://schemas.openxmlformats.org/presentationml/2006/main">
+  <p:cSld>
+    <p:spTree>
+      <p:nvGrpSpPr>
+        <p:cNvPr id="1" name=""/>
+        <p:cNvGrpSpPr/>
+        <p:nvPr/>
+      </p:nvGrpSpPr>
+      <p:grpSpPr>
+        <a:xfrm>
+          <a:off x="0" y="0"/>
+          <a:ext cx="0" cy="0"/>
+          <a:chOff x="0" y="0"/>
+          <a:chExt cx="0" cy="0"/>
+        </a:xfrm>
+      </p:grpSpPr>
+      <p:sp>
+        <p:nvSpPr>
+          <p:cNvPr id="4" name="TextBox 3">
+            <a:extLst>
+              <a:ext uri="{FF2B5EF4-FFF2-40B4-BE49-F238E27FC236}">
+                <a16:creationId xmlns:a16="http://schemas.microsoft.com/office/drawing/2014/main" id="{2813686D-EDA6-9548-B1D3-519146B94C1E}"/>
+              </a:ext>
+            </a:extLst>
+          </p:cNvPr>
+          <p:cNvSpPr txBox="1"/>
+          <p:nvPr/>
+        </p:nvSpPr>
+        <p:spPr>
+          <a:xfrm>
+            <a:off x="2088355" y="379204"/>
+            <a:ext cx="8015288" cy="584775"/>
+          </a:xfrm>
+          <a:prstGeom prst="rect">
+            <a:avLst/>
+          </a:prstGeom>
+          <a:noFill/>
+        </p:spPr>
+        <p:txBody>
+          <a:bodyPr wrap="square" rtlCol="0">
+            <a:spAutoFit/>
+          </a:bodyPr>
+          <a:lstStyle/>
+          <a:p>
+            <a:pPr algn="ctr"/>
+            <a:r>
+              <a:rPr lang="en-US" sz="3200" b="1" dirty="0"/>
+              <a:t>A click event in jQuery</a:t>
+            </a:r>
+          </a:p>
+        </p:txBody>
+      </p:sp>
+      <p:pic>
+        <p:nvPicPr>
+          <p:cNvPr id="11" name="Content Placeholder 10">
+            <a:extLst>
+              <a:ext uri="{FF2B5EF4-FFF2-40B4-BE49-F238E27FC236}">
+                <a16:creationId xmlns:a16="http://schemas.microsoft.com/office/drawing/2014/main" id="{33077551-66EA-194B-AA84-DCF1CF8F2A38}"/>
+              </a:ext>
+            </a:extLst>
+          </p:cNvPr>
+          <p:cNvPicPr>
+            <a:picLocks noGrp="1" noChangeAspect="1"/>
+          </p:cNvPicPr>
+          <p:nvPr>
+            <p:ph idx="1"/>
+          </p:nvPr>
+        </p:nvPicPr>
+        <p:blipFill>
+          <a:blip r:embed="rId2"/>
+          <a:stretch>
+            <a:fillRect/>
+          </a:stretch>
+        </p:blipFill>
+        <p:spPr>
+          <a:xfrm>
+            <a:off x="2844976" y="1091094"/>
+            <a:ext cx="6502047" cy="5387702"/>
+          </a:xfrm>
+        </p:spPr>
+      </p:pic>
+    </p:spTree>
+    <p:extLst>
+      <p:ext uri="{BB962C8B-B14F-4D97-AF65-F5344CB8AC3E}">
+        <p14:creationId xmlns:p14="http://schemas.microsoft.com/office/powerpoint/2010/main" val="3866091852"/>
+      </p:ext>
+    </p:extLst>
+  </p:cSld>
+  <p:clrMapOvr>
+    <a:masterClrMapping/>
+  </p:clrMapOvr>
+</p:sld>
+</file>
+
+<file path=ppt/slides/slide15.xml><?xml version="1.0" encoding="utf-8"?>
+<p:sld xmlns:a="http://schemas.openxmlformats.org/drawingml/2006/main" xmlns:r="http://schemas.openxmlformats.org/officeDocument/2006/relationships" xmlns:p="http://schemas.openxmlformats.org/presentationml/2006/main">
+  <p:cSld>
+    <p:spTree>
+      <p:nvGrpSpPr>
+        <p:cNvPr id="1" name=""/>
+        <p:cNvGrpSpPr/>
+        <p:nvPr/>
+      </p:nvGrpSpPr>
+      <p:grpSpPr>
+        <a:xfrm>
+          <a:off x="0" y="0"/>
+          <a:ext cx="0" cy="0"/>
+          <a:chOff x="0" y="0"/>
+          <a:chExt cx="0" cy="0"/>
+        </a:xfrm>
+      </p:grpSpPr>
+      <p:sp>
+        <p:nvSpPr>
+          <p:cNvPr id="4" name="TextBox 3">
+            <a:extLst>
+              <a:ext uri="{FF2B5EF4-FFF2-40B4-BE49-F238E27FC236}">
+                <a16:creationId xmlns:a16="http://schemas.microsoft.com/office/drawing/2014/main" id="{2813686D-EDA6-9548-B1D3-519146B94C1E}"/>
+              </a:ext>
+            </a:extLst>
+          </p:cNvPr>
+          <p:cNvSpPr txBox="1"/>
+          <p:nvPr/>
+        </p:nvSpPr>
+        <p:spPr>
+          <a:xfrm>
+            <a:off x="2088355" y="379204"/>
+            <a:ext cx="8015288" cy="584775"/>
+          </a:xfrm>
+          <a:prstGeom prst="rect">
+            <a:avLst/>
+          </a:prstGeom>
+          <a:noFill/>
+        </p:spPr>
+        <p:txBody>
+          <a:bodyPr wrap="square" rtlCol="0">
+            <a:spAutoFit/>
+          </a:bodyPr>
+          <a:lstStyle/>
+          <a:p>
+            <a:pPr algn="ctr"/>
+            <a:r>
+              <a:rPr lang="en-US" sz="3200" b="1" dirty="0"/>
+              <a:t>A click event in vanilla JS</a:t>
+            </a:r>
+          </a:p>
+        </p:txBody>
+      </p:sp>
+      <p:pic>
+        <p:nvPicPr>
+          <p:cNvPr id="7" name="Content Placeholder 6">
+            <a:extLst>
+              <a:ext uri="{FF2B5EF4-FFF2-40B4-BE49-F238E27FC236}">
+                <a16:creationId xmlns:a16="http://schemas.microsoft.com/office/drawing/2014/main" id="{E6145824-0D91-A74C-8F08-D073888D6784}"/>
+              </a:ext>
+            </a:extLst>
+          </p:cNvPr>
+          <p:cNvPicPr>
+            <a:picLocks noGrp="1" noChangeAspect="1"/>
+          </p:cNvPicPr>
+          <p:nvPr>
+            <p:ph idx="1"/>
+          </p:nvPr>
+        </p:nvPicPr>
+        <p:blipFill>
+          <a:blip r:embed="rId2"/>
+          <a:stretch>
+            <a:fillRect/>
+          </a:stretch>
+        </p:blipFill>
+        <p:spPr>
+          <a:xfrm>
+            <a:off x="1291721" y="1224756"/>
+            <a:ext cx="9608556" cy="5254040"/>
+          </a:xfrm>
+        </p:spPr>
+      </p:pic>
+    </p:spTree>
+    <p:extLst>
+      <p:ext uri="{BB962C8B-B14F-4D97-AF65-F5344CB8AC3E}">
+        <p14:creationId xmlns:p14="http://schemas.microsoft.com/office/powerpoint/2010/main" val="2228482404"/>
+      </p:ext>
+    </p:extLst>
+  </p:cSld>
+  <p:clrMapOvr>
+    <a:masterClrMapping/>
+  </p:clrMapOvr>
+</p:sld>
+</file>
+
+<file path=ppt/slides/slide16.xml><?xml version="1.0" encoding="utf-8"?>
+<p:sld xmlns:a="http://schemas.openxmlformats.org/drawingml/2006/main" xmlns:r="http://schemas.openxmlformats.org/officeDocument/2006/relationships" xmlns:p="http://schemas.openxmlformats.org/presentationml/2006/main">
+  <p:cSld>
+    <p:spTree>
+      <p:nvGrpSpPr>
+        <p:cNvPr id="1" name=""/>
+        <p:cNvGrpSpPr/>
+        <p:nvPr/>
+      </p:nvGrpSpPr>
+      <p:grpSpPr>
+        <a:xfrm>
+          <a:off x="0" y="0"/>
+          <a:ext cx="0" cy="0"/>
+          <a:chOff x="0" y="0"/>
+          <a:chExt cx="0" cy="0"/>
+        </a:xfrm>
+      </p:grpSpPr>
+      <p:sp>
+        <p:nvSpPr>
+          <p:cNvPr id="2" name="Title 1">
+            <a:extLst>
+              <a:ext uri="{FF2B5EF4-FFF2-40B4-BE49-F238E27FC236}">
+                <a16:creationId xmlns:a16="http://schemas.microsoft.com/office/drawing/2014/main" id="{28802844-E2DE-9E40-BAC1-BC3DCB3B6B54}"/>
+              </a:ext>
+            </a:extLst>
+          </p:cNvPr>
+          <p:cNvSpPr>
+            <a:spLocks noGrp="1"/>
+          </p:cNvSpPr>
+          <p:nvPr>
+            <p:ph type="title"/>
+          </p:nvPr>
+        </p:nvSpPr>
+        <p:spPr>
+          <a:xfrm>
+            <a:off x="475911" y="2766218"/>
+            <a:ext cx="3254829" cy="1325563"/>
+          </a:xfrm>
+        </p:spPr>
+        <p:txBody>
+          <a:bodyPr/>
+          <a:lstStyle/>
+          <a:p>
+            <a:r>
+              <a:rPr lang="en-US" dirty="0"/>
+              <a:t>MAPQUEST!</a:t>
+            </a:r>
+          </a:p>
+        </p:txBody>
+      </p:sp>
+      <p:pic>
+        <p:nvPicPr>
+          <p:cNvPr id="9" name="Content Placeholder 8">
+            <a:extLst>
+              <a:ext uri="{FF2B5EF4-FFF2-40B4-BE49-F238E27FC236}">
+                <a16:creationId xmlns:a16="http://schemas.microsoft.com/office/drawing/2014/main" id="{4BB80706-173F-594F-9572-A95A1C382E4E}"/>
+              </a:ext>
+            </a:extLst>
+          </p:cNvPr>
+          <p:cNvPicPr>
+            <a:picLocks noGrp="1" noChangeAspect="1"/>
+          </p:cNvPicPr>
+          <p:nvPr>
+            <p:ph idx="1"/>
+          </p:nvPr>
+        </p:nvPicPr>
+        <p:blipFill>
+          <a:blip r:embed="rId2"/>
+          <a:stretch>
+            <a:fillRect/>
+          </a:stretch>
+        </p:blipFill>
+        <p:spPr>
+          <a:xfrm>
+            <a:off x="3530600" y="257695"/>
+            <a:ext cx="8394629" cy="6342609"/>
+          </a:xfrm>
+        </p:spPr>
+      </p:pic>
+    </p:spTree>
+    <p:extLst>
+      <p:ext uri="{BB962C8B-B14F-4D97-AF65-F5344CB8AC3E}">
+        <p14:creationId xmlns:p14="http://schemas.microsoft.com/office/powerpoint/2010/main" val="183019380"/>
+      </p:ext>
+    </p:extLst>
+  </p:cSld>
+  <p:clrMapOvr>
+    <a:masterClrMapping/>
+  </p:clrMapOvr>
+</p:sld>
+</file>
+
+<file path=ppt/slides/slide17.xml><?xml version="1.0" encoding="utf-8"?>
+<p:sld xmlns:a="http://schemas.openxmlformats.org/drawingml/2006/main" xmlns:r="http://schemas.openxmlformats.org/officeDocument/2006/relationships" xmlns:p="http://schemas.openxmlformats.org/presentationml/2006/main">
+  <p:cSld>
+    <p:spTree>
+      <p:nvGrpSpPr>
+        <p:cNvPr id="1" name=""/>
+        <p:cNvGrpSpPr/>
+        <p:nvPr/>
+      </p:nvGrpSpPr>
+      <p:grpSpPr>
+        <a:xfrm>
+          <a:off x="0" y="0"/>
+          <a:ext cx="0" cy="0"/>
+          <a:chOff x="0" y="0"/>
+          <a:chExt cx="0" cy="0"/>
+        </a:xfrm>
+      </p:grpSpPr>
+      <p:sp>
+        <p:nvSpPr>
+          <p:cNvPr id="2" name="Title 1">
+            <a:extLst>
+              <a:ext uri="{FF2B5EF4-FFF2-40B4-BE49-F238E27FC236}">
+                <a16:creationId xmlns:a16="http://schemas.microsoft.com/office/drawing/2014/main" id="{8F5CB87A-E0E8-F64F-8BEC-F49EB9E136FD}"/>
+              </a:ext>
+            </a:extLst>
+          </p:cNvPr>
+          <p:cNvSpPr>
+            <a:spLocks noGrp="1"/>
+          </p:cNvSpPr>
+          <p:nvPr>
+            <p:ph type="title"/>
+          </p:nvPr>
+        </p:nvSpPr>
+        <p:spPr>
+          <a:xfrm>
+            <a:off x="2610757" y="500062"/>
+            <a:ext cx="6970486" cy="1325563"/>
+          </a:xfrm>
+        </p:spPr>
+        <p:txBody>
+          <a:bodyPr/>
+          <a:lstStyle/>
+          <a:p>
+            <a:pPr algn="ctr"/>
+            <a:r>
+              <a:rPr lang="en-US" b="1" dirty="0"/>
+              <a:t>XMLHttpRequest object</a:t>
+            </a:r>
+          </a:p>
+        </p:txBody>
+      </p:sp>
+      <p:pic>
+        <p:nvPicPr>
+          <p:cNvPr id="6" name="Picture 5">
+            <a:extLst>
+              <a:ext uri="{FF2B5EF4-FFF2-40B4-BE49-F238E27FC236}">
+                <a16:creationId xmlns:a16="http://schemas.microsoft.com/office/drawing/2014/main" id="{736CF34C-64A6-B641-850F-1A845CB3F254}"/>
+              </a:ext>
+            </a:extLst>
+          </p:cNvPr>
+          <p:cNvPicPr>
+            <a:picLocks noChangeAspect="1"/>
+          </p:cNvPicPr>
+          <p:nvPr/>
+        </p:nvPicPr>
+        <p:blipFill>
+          <a:blip r:embed="rId2"/>
+          <a:stretch>
+            <a:fillRect/>
+          </a:stretch>
+        </p:blipFill>
+        <p:spPr>
+          <a:xfrm>
+            <a:off x="3322681" y="3151188"/>
+            <a:ext cx="5546638" cy="3128304"/>
+          </a:xfrm>
+          <a:prstGeom prst="rect">
+            <a:avLst/>
+          </a:prstGeom>
+        </p:spPr>
+      </p:pic>
+      <p:sp>
+        <p:nvSpPr>
+          <p:cNvPr id="7" name="TextBox 6">
+            <a:extLst>
+              <a:ext uri="{FF2B5EF4-FFF2-40B4-BE49-F238E27FC236}">
+                <a16:creationId xmlns:a16="http://schemas.microsoft.com/office/drawing/2014/main" id="{6B1282C2-3AB1-E643-ADAB-AA712AD64271}"/>
+              </a:ext>
+            </a:extLst>
+          </p:cNvPr>
+          <p:cNvSpPr txBox="1"/>
+          <p:nvPr/>
+        </p:nvSpPr>
+        <p:spPr>
+          <a:xfrm>
+            <a:off x="1534160" y="1825625"/>
+            <a:ext cx="9123680" cy="954107"/>
+          </a:xfrm>
+          <a:prstGeom prst="rect">
+            <a:avLst/>
+          </a:prstGeom>
+          <a:noFill/>
+        </p:spPr>
+        <p:txBody>
+          <a:bodyPr wrap="square" rtlCol="0">
+            <a:spAutoFit/>
+          </a:bodyPr>
+          <a:lstStyle/>
+          <a:p>
+            <a:pPr algn="ctr"/>
+            <a:r>
+              <a:rPr lang="en-US" sz="2800" dirty="0"/>
+              <a:t>In 1998, the Microsoft Outlook web access team created the core competencies that surround the XMLHttpRequest object</a:t>
+            </a:r>
+          </a:p>
+        </p:txBody>
+      </p:sp>
+    </p:spTree>
+    <p:extLst>
+      <p:ext uri="{BB962C8B-B14F-4D97-AF65-F5344CB8AC3E}">
+        <p14:creationId xmlns:p14="http://schemas.microsoft.com/office/powerpoint/2010/main" val="3060113877"/>
+      </p:ext>
+    </p:extLst>
+  </p:cSld>
+  <p:clrMapOvr>
+    <a:masterClrMapping/>
+  </p:clrMapOvr>
+</p:sld>
+</file>
+
+<file path=ppt/slides/slide18.xml><?xml version="1.0" encoding="utf-8"?>
+<p:sld xmlns:a="http://schemas.openxmlformats.org/drawingml/2006/main" xmlns:r="http://schemas.openxmlformats.org/officeDocument/2006/relationships" xmlns:p="http://schemas.openxmlformats.org/presentationml/2006/main">
+  <p:cSld>
+    <p:spTree>
+      <p:nvGrpSpPr>
+        <p:cNvPr id="1" name=""/>
+        <p:cNvGrpSpPr/>
+        <p:nvPr/>
+      </p:nvGrpSpPr>
+      <p:grpSpPr>
+        <a:xfrm>
+          <a:off x="0" y="0"/>
+          <a:ext cx="0" cy="0"/>
+          <a:chOff x="0" y="0"/>
+          <a:chExt cx="0" cy="0"/>
+        </a:xfrm>
+      </p:grpSpPr>
+      <p:sp>
+        <p:nvSpPr>
+          <p:cNvPr id="2" name="Title 1">
+            <a:extLst>
+              <a:ext uri="{FF2B5EF4-FFF2-40B4-BE49-F238E27FC236}">
+                <a16:creationId xmlns:a16="http://schemas.microsoft.com/office/drawing/2014/main" id="{8F5CB87A-E0E8-F64F-8BEC-F49EB9E136FD}"/>
+              </a:ext>
+            </a:extLst>
+          </p:cNvPr>
+          <p:cNvSpPr>
+            <a:spLocks noGrp="1"/>
+          </p:cNvSpPr>
+          <p:nvPr>
+            <p:ph type="title"/>
+          </p:nvPr>
+        </p:nvSpPr>
+        <p:spPr>
+          <a:xfrm>
+            <a:off x="2610757" y="500062"/>
+            <a:ext cx="6970486" cy="1325563"/>
+          </a:xfrm>
+        </p:spPr>
+        <p:txBody>
+          <a:bodyPr/>
+          <a:lstStyle/>
+          <a:p>
+            <a:pPr algn="ctr"/>
+            <a:r>
+              <a:rPr lang="en-US" b="1" dirty="0"/>
+              <a:t>XMLHttpRequest object</a:t>
+            </a:r>
+          </a:p>
+        </p:txBody>
+      </p:sp>
+      <p:sp>
+        <p:nvSpPr>
+          <p:cNvPr id="4" name="TextBox 3">
+            <a:extLst>
+              <a:ext uri="{FF2B5EF4-FFF2-40B4-BE49-F238E27FC236}">
+                <a16:creationId xmlns:a16="http://schemas.microsoft.com/office/drawing/2014/main" id="{C03B984C-754D-9F4F-B48F-37EF57DA4593}"/>
+              </a:ext>
+            </a:extLst>
+          </p:cNvPr>
+          <p:cNvSpPr txBox="1"/>
+          <p:nvPr/>
+        </p:nvSpPr>
+        <p:spPr>
+          <a:xfrm>
+            <a:off x="1893207" y="2246535"/>
+            <a:ext cx="8405586" cy="1138773"/>
+          </a:xfrm>
+          <a:prstGeom prst="rect">
+            <a:avLst/>
+          </a:prstGeom>
+          <a:noFill/>
+        </p:spPr>
+        <p:txBody>
+          <a:bodyPr wrap="square" rtlCol="0">
+            <a:spAutoFit/>
+          </a:bodyPr>
+          <a:lstStyle/>
+          <a:p>
+            <a:r>
+              <a:rPr lang="en-US" sz="3400" dirty="0"/>
+              <a:t>By 2004 and 2005, google released their </a:t>
+            </a:r>
+            <a:r>
+              <a:rPr lang="en-US" sz="3400" dirty="0" err="1"/>
+              <a:t>gmail</a:t>
+            </a:r>
+            <a:r>
+              <a:rPr lang="en-US" sz="3400" dirty="0"/>
+              <a:t> and google maps clients using this technology.</a:t>
+            </a:r>
+          </a:p>
+        </p:txBody>
+      </p:sp>
+      <p:sp>
+        <p:nvSpPr>
+          <p:cNvPr id="5" name="TextBox 4">
+            <a:extLst>
+              <a:ext uri="{FF2B5EF4-FFF2-40B4-BE49-F238E27FC236}">
+                <a16:creationId xmlns:a16="http://schemas.microsoft.com/office/drawing/2014/main" id="{866FA6E1-A912-4244-A4C1-7EC8132B026D}"/>
+              </a:ext>
+            </a:extLst>
+          </p:cNvPr>
+          <p:cNvSpPr txBox="1"/>
+          <p:nvPr/>
+        </p:nvSpPr>
+        <p:spPr>
+          <a:xfrm>
+            <a:off x="1453951" y="4107543"/>
+            <a:ext cx="9284098" cy="1138773"/>
+          </a:xfrm>
+          <a:prstGeom prst="rect">
+            <a:avLst/>
+          </a:prstGeom>
+          <a:noFill/>
+        </p:spPr>
+        <p:txBody>
+          <a:bodyPr wrap="square" rtlCol="0">
+            <a:spAutoFit/>
+          </a:bodyPr>
+          <a:lstStyle/>
+          <a:p>
+            <a:pPr algn="ctr"/>
+            <a:r>
+              <a:rPr lang="en-US" sz="3400" dirty="0"/>
+              <a:t>By April of 2006, the w3c released the first specification for the XMLHttpRequest object.</a:t>
+            </a:r>
+          </a:p>
+        </p:txBody>
+      </p:sp>
+    </p:spTree>
+    <p:extLst>
+      <p:ext uri="{BB962C8B-B14F-4D97-AF65-F5344CB8AC3E}">
+        <p14:creationId xmlns:p14="http://schemas.microsoft.com/office/powerpoint/2010/main" val="1993617536"/>
+      </p:ext>
+    </p:extLst>
+  </p:cSld>
+  <p:clrMapOvr>
+    <a:masterClrMapping/>
+  </p:clrMapOvr>
+</p:sld>
+</file>
+
+<file path=ppt/slides/slide19.xml><?xml version="1.0" encoding="utf-8"?>
+<p:sld xmlns:a="http://schemas.openxmlformats.org/drawingml/2006/main" xmlns:r="http://schemas.openxmlformats.org/officeDocument/2006/relationships" xmlns:p="http://schemas.openxmlformats.org/presentationml/2006/main">
+  <p:cSld>
+    <p:spTree>
+      <p:nvGrpSpPr>
+        <p:cNvPr id="1" name=""/>
+        <p:cNvGrpSpPr/>
+        <p:nvPr/>
+      </p:nvGrpSpPr>
+      <p:grpSpPr>
+        <a:xfrm>
+          <a:off x="0" y="0"/>
+          <a:ext cx="0" cy="0"/>
+          <a:chOff x="0" y="0"/>
+          <a:chExt cx="0" cy="0"/>
+        </a:xfrm>
+      </p:grpSpPr>
+      <p:sp>
+        <p:nvSpPr>
+          <p:cNvPr id="3" name="Content Placeholder 2">
+            <a:extLst>
+              <a:ext uri="{FF2B5EF4-FFF2-40B4-BE49-F238E27FC236}">
+                <a16:creationId xmlns:a16="http://schemas.microsoft.com/office/drawing/2014/main" id="{04A8232B-A2F5-A747-A41D-C6EB117F8910}"/>
+              </a:ext>
+            </a:extLst>
+          </p:cNvPr>
+          <p:cNvSpPr>
+            <a:spLocks noGrp="1"/>
+          </p:cNvSpPr>
+          <p:nvPr>
+            <p:ph idx="1"/>
+          </p:nvPr>
+        </p:nvSpPr>
+        <p:spPr/>
+        <p:txBody>
+          <a:bodyPr/>
+          <a:lstStyle/>
+          <a:p>
+            <a:pPr marL="0" indent="0">
+              <a:buNone/>
+            </a:pPr>
+            <a:endParaRPr lang="en-US"/>
+          </a:p>
+        </p:txBody>
+      </p:sp>
+      <p:pic>
+        <p:nvPicPr>
+          <p:cNvPr id="4" name="Picture 3">
+            <a:extLst>
+              <a:ext uri="{FF2B5EF4-FFF2-40B4-BE49-F238E27FC236}">
+                <a16:creationId xmlns:a16="http://schemas.microsoft.com/office/drawing/2014/main" id="{7BFF1B8B-3F1A-384B-A71B-FCD373C8744A}"/>
+              </a:ext>
+            </a:extLst>
+          </p:cNvPr>
+          <p:cNvPicPr>
+            <a:picLocks noChangeAspect="1"/>
+          </p:cNvPicPr>
+          <p:nvPr/>
+        </p:nvPicPr>
+        <p:blipFill>
+          <a:blip r:embed="rId2"/>
+          <a:stretch>
+            <a:fillRect/>
+          </a:stretch>
+        </p:blipFill>
+        <p:spPr>
+          <a:xfrm>
+            <a:off x="3933938" y="546779"/>
+            <a:ext cx="4324123" cy="908180"/>
+          </a:xfrm>
+          <a:prstGeom prst="rect">
+            <a:avLst/>
+          </a:prstGeom>
+        </p:spPr>
+      </p:pic>
+    </p:spTree>
+    <p:extLst>
+      <p:ext uri="{BB962C8B-B14F-4D97-AF65-F5344CB8AC3E}">
+        <p14:creationId xmlns:p14="http://schemas.microsoft.com/office/powerpoint/2010/main" val="1792835368"/>
       </p:ext>
     </p:extLst>
   </p:cSld>
@@ -4255,17 +5532,19 @@
       </p:sp>
       <p:pic>
         <p:nvPicPr>
-          <p:cNvPr id="6" name="Picture 5">
-            <a:extLst>
-              <a:ext uri="{FF2B5EF4-FFF2-40B4-BE49-F238E27FC236}">
-                <a16:creationId xmlns:a16="http://schemas.microsoft.com/office/drawing/2014/main" id="{2C34A42D-BD20-8A44-8FFA-F68C1202CA6C}"/>
+          <p:cNvPr id="10" name="Content Placeholder 8">
+            <a:extLst>
+              <a:ext uri="{FF2B5EF4-FFF2-40B4-BE49-F238E27FC236}">
+                <a16:creationId xmlns:a16="http://schemas.microsoft.com/office/drawing/2014/main" id="{DE7F0141-817F-CB43-B749-C50D5B1738EC}"/>
               </a:ext>
             </a:extLst>
           </p:cNvPr>
           <p:cNvPicPr>
-            <a:picLocks noChangeAspect="1"/>
+            <a:picLocks noGrp="1" noChangeAspect="1"/>
           </p:cNvPicPr>
-          <p:nvPr/>
+          <p:nvPr>
+            <p:ph idx="1"/>
+          </p:nvPr>
         </p:nvPicPr>
         <p:blipFill>
           <a:blip r:embed="rId2"/>
@@ -4275,20 +5554,17 @@
         </p:blipFill>
         <p:spPr>
           <a:xfrm>
-            <a:off x="6469064" y="2159000"/>
-            <a:ext cx="2540000" cy="2540000"/>
-          </a:xfrm>
-          <a:prstGeom prst="rect">
-            <a:avLst/>
-          </a:prstGeom>
+            <a:off x="8039291" y="2328860"/>
+            <a:ext cx="2144465" cy="2144465"/>
+          </a:xfrm>
         </p:spPr>
       </p:pic>
       <p:pic>
         <p:nvPicPr>
-          <p:cNvPr id="8" name="Picture 7">
-            <a:extLst>
-              <a:ext uri="{FF2B5EF4-FFF2-40B4-BE49-F238E27FC236}">
-                <a16:creationId xmlns:a16="http://schemas.microsoft.com/office/drawing/2014/main" id="{9193B007-65BE-2847-A64E-79285CD2DFFC}"/>
+          <p:cNvPr id="11" name="Picture 10">
+            <a:extLst>
+              <a:ext uri="{FF2B5EF4-FFF2-40B4-BE49-F238E27FC236}">
+                <a16:creationId xmlns:a16="http://schemas.microsoft.com/office/drawing/2014/main" id="{CBD4F440-D844-3446-8906-D9BFFDF2F2A3}"/>
               </a:ext>
             </a:extLst>
           </p:cNvPr>
@@ -4305,8 +5581,8 @@
         </p:blipFill>
         <p:spPr>
           <a:xfrm>
-            <a:off x="8262942" y="1993900"/>
-            <a:ext cx="4064000" cy="2870200"/>
+            <a:off x="593270" y="2797175"/>
+            <a:ext cx="6016625" cy="1263650"/>
           </a:xfrm>
           <a:prstGeom prst="rect">
             <a:avLst/>
@@ -4318,7 +5594,7 @@
           <p:cNvPr id="3" name="TextBox 2">
             <a:extLst>
               <a:ext uri="{FF2B5EF4-FFF2-40B4-BE49-F238E27FC236}">
-                <a16:creationId xmlns:a16="http://schemas.microsoft.com/office/drawing/2014/main" id="{0C29BF0B-462E-7448-9ABB-CD48A546EBEE}"/>
+                <a16:creationId xmlns:a16="http://schemas.microsoft.com/office/drawing/2014/main" id="{50192C21-0763-6E42-856A-39B8667ADAF7}"/>
               </a:ext>
             </a:extLst>
           </p:cNvPr>
@@ -4327,8 +5603,8 @@
         </p:nvSpPr>
         <p:spPr>
           <a:xfrm>
-            <a:off x="2224085" y="1629634"/>
-            <a:ext cx="1319216" cy="3170099"/>
+            <a:off x="8035390" y="4865277"/>
+            <a:ext cx="2202975" cy="892552"/>
           </a:xfrm>
           <a:prstGeom prst="rect">
             <a:avLst/>
@@ -4336,14 +5612,22 @@
           <a:noFill/>
         </p:spPr>
         <p:txBody>
-          <a:bodyPr wrap="square" rtlCol="0">
+          <a:bodyPr wrap="none" rtlCol="0">
             <a:spAutoFit/>
           </a:bodyPr>
           <a:lstStyle/>
           <a:p>
-            <a:r>
-              <a:rPr lang="en-US" sz="20000" b="1" dirty="0"/>
-              <a:t>?</a:t>
+            <a:pPr algn="ctr"/>
+            <a:r>
+              <a:rPr lang="en-US" sz="2600" b="1" dirty="0"/>
+              <a:t>Browser</a:t>
+            </a:r>
+          </a:p>
+          <a:p>
+            <a:pPr algn="ctr"/>
+            <a:r>
+              <a:rPr lang="en-US" sz="2600" b="1" dirty="0"/>
+              <a:t>Compatibility?</a:t>
             </a:r>
           </a:p>
         </p:txBody>
@@ -4351,7 +5635,7 @@
     </p:spTree>
     <p:extLst>
       <p:ext uri="{BB962C8B-B14F-4D97-AF65-F5344CB8AC3E}">
-        <p14:creationId xmlns:p14="http://schemas.microsoft.com/office/powerpoint/2010/main" val="1397660072"/>
+        <p14:creationId xmlns:p14="http://schemas.microsoft.com/office/powerpoint/2010/main" val="3215798090"/>
       </p:ext>
     </p:extLst>
   </p:cSld>
@@ -4380,6 +5664,218 @@
       </p:grpSpPr>
       <p:sp>
         <p:nvSpPr>
+          <p:cNvPr id="2" name="Title 1">
+            <a:extLst>
+              <a:ext uri="{FF2B5EF4-FFF2-40B4-BE49-F238E27FC236}">
+                <a16:creationId xmlns:a16="http://schemas.microsoft.com/office/drawing/2014/main" id="{AA0464BE-8C17-FA46-B7AC-A4D7BE78FB82}"/>
+              </a:ext>
+            </a:extLst>
+          </p:cNvPr>
+          <p:cNvSpPr>
+            <a:spLocks noGrp="1"/>
+          </p:cNvSpPr>
+          <p:nvPr>
+            <p:ph type="title"/>
+          </p:nvPr>
+        </p:nvSpPr>
+        <p:spPr>
+          <a:xfrm>
+            <a:off x="1850230" y="681036"/>
+            <a:ext cx="2747963" cy="1009651"/>
+          </a:xfrm>
+        </p:spPr>
+        <p:txBody>
+          <a:bodyPr/>
+          <a:lstStyle/>
+          <a:p>
+            <a:r>
+              <a:rPr lang="en-US" dirty="0"/>
+              <a:t>Winners</a:t>
+            </a:r>
+          </a:p>
+        </p:txBody>
+      </p:sp>
+      <p:sp>
+        <p:nvSpPr>
+          <p:cNvPr id="4" name="Title 1">
+            <a:extLst>
+              <a:ext uri="{FF2B5EF4-FFF2-40B4-BE49-F238E27FC236}">
+                <a16:creationId xmlns:a16="http://schemas.microsoft.com/office/drawing/2014/main" id="{2DBFB4C6-2275-9347-844D-19F1185A1E36}"/>
+              </a:ext>
+            </a:extLst>
+          </p:cNvPr>
+          <p:cNvSpPr txBox="1">
+            <a:spLocks/>
+          </p:cNvSpPr>
+          <p:nvPr/>
+        </p:nvSpPr>
+        <p:spPr>
+          <a:xfrm>
+            <a:off x="8248654" y="681035"/>
+            <a:ext cx="2747963" cy="1009651"/>
+          </a:xfrm>
+          <a:prstGeom prst="rect">
+            <a:avLst/>
+          </a:prstGeom>
+        </p:spPr>
+        <p:txBody>
+          <a:bodyPr vert="horz" lIns="91440" tIns="45720" rIns="91440" bIns="45720" rtlCol="0" anchor="ctr">
+            <a:normAutofit/>
+          </a:bodyPr>
+          <a:lstStyle>
+            <a:lvl1pPr algn="l" defTabSz="914400" rtl="0" eaLnBrk="1" latinLnBrk="0" hangingPunct="1">
+              <a:lnSpc>
+                <a:spcPct val="90000"/>
+              </a:lnSpc>
+              <a:spcBef>
+                <a:spcPct val="0"/>
+              </a:spcBef>
+              <a:buNone/>
+              <a:defRPr sz="4400" kern="1200">
+                <a:solidFill>
+                  <a:schemeClr val="tx1"/>
+                </a:solidFill>
+                <a:latin typeface="+mj-lt"/>
+                <a:ea typeface="+mj-ea"/>
+                <a:cs typeface="+mj-cs"/>
+              </a:defRPr>
+            </a:lvl1pPr>
+          </a:lstStyle>
+          <a:p>
+            <a:r>
+              <a:rPr lang="en-US" dirty="0"/>
+              <a:t>Losers</a:t>
+            </a:r>
+          </a:p>
+        </p:txBody>
+      </p:sp>
+      <p:pic>
+        <p:nvPicPr>
+          <p:cNvPr id="6" name="Picture 5">
+            <a:extLst>
+              <a:ext uri="{FF2B5EF4-FFF2-40B4-BE49-F238E27FC236}">
+                <a16:creationId xmlns:a16="http://schemas.microsoft.com/office/drawing/2014/main" id="{2C34A42D-BD20-8A44-8FFA-F68C1202CA6C}"/>
+              </a:ext>
+            </a:extLst>
+          </p:cNvPr>
+          <p:cNvPicPr>
+            <a:picLocks noChangeAspect="1"/>
+          </p:cNvPicPr>
+          <p:nvPr/>
+        </p:nvPicPr>
+        <p:blipFill>
+          <a:blip r:embed="rId2"/>
+          <a:stretch>
+            <a:fillRect/>
+          </a:stretch>
+        </p:blipFill>
+        <p:spPr>
+          <a:xfrm>
+            <a:off x="6469064" y="2159000"/>
+            <a:ext cx="2540000" cy="2540000"/>
+          </a:xfrm>
+          <a:prstGeom prst="rect">
+            <a:avLst/>
+          </a:prstGeom>
+        </p:spPr>
+      </p:pic>
+      <p:pic>
+        <p:nvPicPr>
+          <p:cNvPr id="8" name="Picture 7">
+            <a:extLst>
+              <a:ext uri="{FF2B5EF4-FFF2-40B4-BE49-F238E27FC236}">
+                <a16:creationId xmlns:a16="http://schemas.microsoft.com/office/drawing/2014/main" id="{9193B007-65BE-2847-A64E-79285CD2DFFC}"/>
+              </a:ext>
+            </a:extLst>
+          </p:cNvPr>
+          <p:cNvPicPr>
+            <a:picLocks noChangeAspect="1"/>
+          </p:cNvPicPr>
+          <p:nvPr/>
+        </p:nvPicPr>
+        <p:blipFill>
+          <a:blip r:embed="rId3"/>
+          <a:stretch>
+            <a:fillRect/>
+          </a:stretch>
+        </p:blipFill>
+        <p:spPr>
+          <a:xfrm>
+            <a:off x="8262942" y="1993900"/>
+            <a:ext cx="4064000" cy="2870200"/>
+          </a:xfrm>
+          <a:prstGeom prst="rect">
+            <a:avLst/>
+          </a:prstGeom>
+        </p:spPr>
+      </p:pic>
+      <p:sp>
+        <p:nvSpPr>
+          <p:cNvPr id="3" name="TextBox 2">
+            <a:extLst>
+              <a:ext uri="{FF2B5EF4-FFF2-40B4-BE49-F238E27FC236}">
+                <a16:creationId xmlns:a16="http://schemas.microsoft.com/office/drawing/2014/main" id="{0C29BF0B-462E-7448-9ABB-CD48A546EBEE}"/>
+              </a:ext>
+            </a:extLst>
+          </p:cNvPr>
+          <p:cNvSpPr txBox="1"/>
+          <p:nvPr/>
+        </p:nvSpPr>
+        <p:spPr>
+          <a:xfrm>
+            <a:off x="2224085" y="1629634"/>
+            <a:ext cx="1319216" cy="3170099"/>
+          </a:xfrm>
+          <a:prstGeom prst="rect">
+            <a:avLst/>
+          </a:prstGeom>
+          <a:noFill/>
+        </p:spPr>
+        <p:txBody>
+          <a:bodyPr wrap="square" rtlCol="0">
+            <a:spAutoFit/>
+          </a:bodyPr>
+          <a:lstStyle/>
+          <a:p>
+            <a:r>
+              <a:rPr lang="en-US" sz="20000" b="1" dirty="0"/>
+              <a:t>?</a:t>
+            </a:r>
+          </a:p>
+        </p:txBody>
+      </p:sp>
+    </p:spTree>
+    <p:extLst>
+      <p:ext uri="{BB962C8B-B14F-4D97-AF65-F5344CB8AC3E}">
+        <p14:creationId xmlns:p14="http://schemas.microsoft.com/office/powerpoint/2010/main" val="1397660072"/>
+      </p:ext>
+    </p:extLst>
+  </p:cSld>
+  <p:clrMapOvr>
+    <a:masterClrMapping/>
+  </p:clrMapOvr>
+</p:sld>
+</file>
+
+<file path=ppt/slides/slide7.xml><?xml version="1.0" encoding="utf-8"?>
+<p:sld xmlns:a="http://schemas.openxmlformats.org/drawingml/2006/main" xmlns:r="http://schemas.openxmlformats.org/officeDocument/2006/relationships" xmlns:p="http://schemas.openxmlformats.org/presentationml/2006/main">
+  <p:cSld>
+    <p:spTree>
+      <p:nvGrpSpPr>
+        <p:cNvPr id="1" name=""/>
+        <p:cNvGrpSpPr/>
+        <p:nvPr/>
+      </p:nvGrpSpPr>
+      <p:grpSpPr>
+        <a:xfrm>
+          <a:off x="0" y="0"/>
+          <a:ext cx="0" cy="0"/>
+          <a:chOff x="0" y="0"/>
+          <a:chExt cx="0" cy="0"/>
+        </a:xfrm>
+      </p:grpSpPr>
+      <p:sp>
+        <p:nvSpPr>
           <p:cNvPr id="3" name="Content Placeholder 2">
             <a:extLst>
               <a:ext uri="{FF2B5EF4-FFF2-40B4-BE49-F238E27FC236}">
@@ -4429,7 +5925,7 @@
 </p:sld>
 </file>
 
-<file path=ppt/slides/slide7.xml><?xml version="1.0" encoding="utf-8"?>
+<file path=ppt/slides/slide8.xml><?xml version="1.0" encoding="utf-8"?>
 <p:sld xmlns:a="http://schemas.openxmlformats.org/drawingml/2006/main" xmlns:r="http://schemas.openxmlformats.org/officeDocument/2006/relationships" xmlns:p="http://schemas.openxmlformats.org/presentationml/2006/main">
   <p:cSld>
     <p:bg>
@@ -4544,7 +6040,7 @@
 </p:sld>
 </file>
 
-<file path=ppt/slides/slide8.xml><?xml version="1.0" encoding="utf-8"?>
+<file path=ppt/slides/slide9.xml><?xml version="1.0" encoding="utf-8"?>
 <p:sld xmlns:a="http://schemas.openxmlformats.org/drawingml/2006/main" xmlns:r="http://schemas.openxmlformats.org/officeDocument/2006/relationships" xmlns:p="http://schemas.openxmlformats.org/presentationml/2006/main">
   <p:cSld>
     <p:bg>
@@ -4877,24 +6373,8 @@
               <a:buChar char="•"/>
             </a:pPr>
             <a:r>
-              <a:rPr lang="en-US" dirty="0"/>
-              <a:t>1994 - </a:t>
-            </a:r>
-            <a:r>
-              <a:rPr lang="en-US" dirty="0" err="1"/>
-              <a:t>Håkon</a:t>
-            </a:r>
-            <a:r>
-              <a:rPr lang="en-US" dirty="0"/>
-              <a:t> </a:t>
-            </a:r>
-            <a:r>
-              <a:rPr lang="en-US" dirty="0" err="1"/>
-              <a:t>Wium</a:t>
-            </a:r>
-            <a:r>
-              <a:rPr lang="en-US" dirty="0"/>
-              <a:t> Lie proposes CSS</a:t>
+              <a:rPr lang="en-US"/>
+              <a:t>1994 - Håkon Wium Lie proposes CSS</a:t>
             </a:r>
           </a:p>
           <a:p>
@@ -4903,7 +6383,7 @@
               <a:buChar char="•"/>
             </a:pPr>
             <a:r>
-              <a:rPr lang="en-US" dirty="0"/>
+              <a:rPr lang="en-US"/>
               <a:t>1996 - W3C CSS Recommendation (CSS1) released.</a:t>
             </a:r>
           </a:p>
@@ -4913,7 +6393,7 @@
               <a:buChar char="•"/>
             </a:pPr>
             <a:r>
-              <a:rPr lang="en-US" dirty="0"/>
+              <a:rPr lang="en-US"/>
               <a:t>1996 - Space Jam Website is released</a:t>
             </a:r>
           </a:p>
@@ -5086,151 +6566,6 @@
       </p:par>
     </p:tnLst>
   </p:timing>
-</p:sld>
-</file>
-
-<file path=ppt/slides/slide9.xml><?xml version="1.0" encoding="utf-8"?>
-<p:sld xmlns:a="http://schemas.openxmlformats.org/drawingml/2006/main" xmlns:r="http://schemas.openxmlformats.org/officeDocument/2006/relationships" xmlns:p="http://schemas.openxmlformats.org/presentationml/2006/main">
-  <p:cSld>
-    <p:spTree>
-      <p:nvGrpSpPr>
-        <p:cNvPr id="1" name=""/>
-        <p:cNvGrpSpPr/>
-        <p:nvPr/>
-      </p:nvGrpSpPr>
-      <p:grpSpPr>
-        <a:xfrm>
-          <a:off x="0" y="0"/>
-          <a:ext cx="0" cy="0"/>
-          <a:chOff x="0" y="0"/>
-          <a:chExt cx="0" cy="0"/>
-        </a:xfrm>
-      </p:grpSpPr>
-      <p:pic>
-        <p:nvPicPr>
-          <p:cNvPr id="9" name="Content Placeholder 8">
-            <a:extLst>
-              <a:ext uri="{FF2B5EF4-FFF2-40B4-BE49-F238E27FC236}">
-                <a16:creationId xmlns:a16="http://schemas.microsoft.com/office/drawing/2014/main" id="{320268DA-2C6A-A141-8F73-B722CD0D5129}"/>
-              </a:ext>
-            </a:extLst>
-          </p:cNvPr>
-          <p:cNvPicPr>
-            <a:picLocks noGrp="1" noChangeAspect="1"/>
-          </p:cNvPicPr>
-          <p:nvPr>
-            <p:ph idx="1"/>
-          </p:nvPr>
-        </p:nvPicPr>
-        <p:blipFill>
-          <a:blip r:embed="rId2"/>
-          <a:stretch>
-            <a:fillRect/>
-          </a:stretch>
-        </p:blipFill>
-        <p:spPr>
-          <a:xfrm>
-            <a:off x="7135018" y="1253331"/>
-            <a:ext cx="4351338" cy="4351338"/>
-          </a:xfrm>
-        </p:spPr>
-      </p:pic>
-      <p:sp>
-        <p:nvSpPr>
-          <p:cNvPr id="10" name="TextBox 9">
-            <a:extLst>
-              <a:ext uri="{FF2B5EF4-FFF2-40B4-BE49-F238E27FC236}">
-                <a16:creationId xmlns:a16="http://schemas.microsoft.com/office/drawing/2014/main" id="{7A131944-3EBA-D84E-A096-5D6A3B8B3954}"/>
-              </a:ext>
-            </a:extLst>
-          </p:cNvPr>
-          <p:cNvSpPr txBox="1"/>
-          <p:nvPr/>
-        </p:nvSpPr>
-        <p:spPr>
-          <a:xfrm>
-            <a:off x="1071563" y="1443038"/>
-            <a:ext cx="4657725" cy="2308324"/>
-          </a:xfrm>
-          <a:prstGeom prst="rect">
-            <a:avLst/>
-          </a:prstGeom>
-          <a:noFill/>
-        </p:spPr>
-        <p:txBody>
-          <a:bodyPr wrap="square" rtlCol="0">
-            <a:spAutoFit/>
-          </a:bodyPr>
-          <a:lstStyle/>
-          <a:p>
-            <a:pPr marL="285750" indent="-285750">
-              <a:buFont typeface="Arial" panose="020B0604020202020204" pitchFamily="34" charset="0"/>
-              <a:buChar char="•"/>
-            </a:pPr>
-            <a:r>
-              <a:rPr lang="en-US" dirty="0"/>
-              <a:t>1995 (sometime before may) - Brendan </a:t>
-            </a:r>
-            <a:r>
-              <a:rPr lang="en-US" dirty="0" err="1"/>
-              <a:t>Eich</a:t>
-            </a:r>
-            <a:r>
-              <a:rPr lang="en-US" dirty="0"/>
-              <a:t> gets recruited by Netscape Communications to embed a programming language into Netscape Navigator</a:t>
-            </a:r>
-          </a:p>
-          <a:p>
-            <a:pPr marL="285750" indent="-285750">
-              <a:buFont typeface="Arial" panose="020B0604020202020204" pitchFamily="34" charset="0"/>
-              <a:buChar char="•"/>
-            </a:pPr>
-            <a:r>
-              <a:rPr lang="en-US" dirty="0"/>
-              <a:t>1995 (may) - Brendan </a:t>
-            </a:r>
-            <a:r>
-              <a:rPr lang="en-US" dirty="0" err="1"/>
-              <a:t>Eich</a:t>
-            </a:r>
-            <a:r>
-              <a:rPr lang="en-US" dirty="0"/>
-              <a:t> is tasked to create a prototype for a browser scripting language</a:t>
-            </a:r>
-          </a:p>
-          <a:p>
-            <a:pPr marL="285750" indent="-285750">
-              <a:buFont typeface="Arial" panose="020B0604020202020204" pitchFamily="34" charset="0"/>
-              <a:buChar char="•"/>
-            </a:pPr>
-            <a:r>
-              <a:rPr lang="en-US" dirty="0"/>
-              <a:t>10 days later – </a:t>
-            </a:r>
-            <a:r>
-              <a:rPr lang="en-US" dirty="0" err="1"/>
-              <a:t>Javascript</a:t>
-            </a:r>
-            <a:r>
-              <a:rPr lang="en-US" dirty="0"/>
-              <a:t> was born</a:t>
-            </a:r>
-          </a:p>
-          <a:p>
-            <a:endParaRPr lang="en-US" dirty="0"/>
-          </a:p>
-        </p:txBody>
-      </p:sp>
-    </p:spTree>
-    <p:extLst>
-      <p:ext uri="{BB962C8B-B14F-4D97-AF65-F5344CB8AC3E}">
-        <p14:creationId xmlns:p14="http://schemas.microsoft.com/office/powerpoint/2010/main" val="2322396642"/>
-      </p:ext>
-    </p:extLst>
-  </p:cSld>
-  <p:clrMapOvr>
-    <a:masterClrMapping/>
-  </p:clrMapOvr>
 </p:sld>
 </file>
 
@@ -5527,4 +6862,299 @@
     </a:ext>
   </a:extLst>
 </a:theme>
+</file>
+
+<file path=ppt/theme/theme2.xml><?xml version="1.0" encoding="utf-8"?>
+<a:theme xmlns:a="http://schemas.openxmlformats.org/drawingml/2006/main" name="Office Theme">
+  <a:themeElements>
+    <a:clrScheme name="Office">
+      <a:dk1>
+        <a:sysClr val="windowText" lastClr="000000"/>
+      </a:dk1>
+      <a:lt1>
+        <a:sysClr val="window" lastClr="FFFFFF"/>
+      </a:lt1>
+      <a:dk2>
+        <a:srgbClr val="44546A"/>
+      </a:dk2>
+      <a:lt2>
+        <a:srgbClr val="E7E6E6"/>
+      </a:lt2>
+      <a:accent1>
+        <a:srgbClr val="4472C4"/>
+      </a:accent1>
+      <a:accent2>
+        <a:srgbClr val="ED7D31"/>
+      </a:accent2>
+      <a:accent3>
+        <a:srgbClr val="A5A5A5"/>
+      </a:accent3>
+      <a:accent4>
+        <a:srgbClr val="FFC000"/>
+      </a:accent4>
+      <a:accent5>
+        <a:srgbClr val="5B9BD5"/>
+      </a:accent5>
+      <a:accent6>
+        <a:srgbClr val="70AD47"/>
+      </a:accent6>
+      <a:hlink>
+        <a:srgbClr val="0563C1"/>
+      </a:hlink>
+      <a:folHlink>
+        <a:srgbClr val="954F72"/>
+      </a:folHlink>
+    </a:clrScheme>
+    <a:fontScheme name="Office">
+      <a:majorFont>
+        <a:latin typeface="Calibri Light" panose="020F0302020204030204"/>
+        <a:ea typeface=""/>
+        <a:cs typeface=""/>
+        <a:font script="Jpan" typeface="游ゴシック Light"/>
+        <a:font script="Hang" typeface="맑은 고딕"/>
+        <a:font script="Hans" typeface="等线 Light"/>
+        <a:font script="Hant" typeface="新細明體"/>
+        <a:font script="Arab" typeface="Times New Roman"/>
+        <a:font script="Hebr" typeface="Times New Roman"/>
+        <a:font script="Thai" typeface="Angsana New"/>
+        <a:font script="Ethi" typeface="Nyala"/>
+        <a:font script="Beng" typeface="Vrinda"/>
+        <a:font script="Gujr" typeface="Shruti"/>
+        <a:font script="Khmr" typeface="MoolBoran"/>
+        <a:font script="Knda" typeface="Tunga"/>
+        <a:font script="Guru" typeface="Raavi"/>
+        <a:font script="Cans" typeface="Euphemia"/>
+        <a:font script="Cher" typeface="Plantagenet Cherokee"/>
+        <a:font script="Yiii" typeface="Microsoft Yi Baiti"/>
+        <a:font script="Tibt" typeface="Microsoft Himalaya"/>
+        <a:font script="Thaa" typeface="MV Boli"/>
+        <a:font script="Deva" typeface="Mangal"/>
+        <a:font script="Telu" typeface="Gautami"/>
+        <a:font script="Taml" typeface="Latha"/>
+        <a:font script="Syrc" typeface="Estrangelo Edessa"/>
+        <a:font script="Orya" typeface="Kalinga"/>
+        <a:font script="Mlym" typeface="Kartika"/>
+        <a:font script="Laoo" typeface="DokChampa"/>
+        <a:font script="Sinh" typeface="Iskoola Pota"/>
+        <a:font script="Mong" typeface="Mongolian Baiti"/>
+        <a:font script="Viet" typeface="Times New Roman"/>
+        <a:font script="Uigh" typeface="Microsoft Uighur"/>
+        <a:font script="Geor" typeface="Sylfaen"/>
+        <a:font script="Armn" typeface="Arial"/>
+        <a:font script="Bugi" typeface="Leelawadee UI"/>
+        <a:font script="Bopo" typeface="Microsoft JhengHei"/>
+        <a:font script="Java" typeface="Javanese Text"/>
+        <a:font script="Lisu" typeface="Segoe UI"/>
+        <a:font script="Mymr" typeface="Myanmar Text"/>
+        <a:font script="Nkoo" typeface="Ebrima"/>
+        <a:font script="Olck" typeface="Nirmala UI"/>
+        <a:font script="Osma" typeface="Ebrima"/>
+        <a:font script="Phag" typeface="Phagspa"/>
+        <a:font script="Syrn" typeface="Estrangelo Edessa"/>
+        <a:font script="Syrj" typeface="Estrangelo Edessa"/>
+        <a:font script="Syre" typeface="Estrangelo Edessa"/>
+        <a:font script="Sora" typeface="Nirmala UI"/>
+        <a:font script="Tale" typeface="Microsoft Tai Le"/>
+        <a:font script="Talu" typeface="Microsoft New Tai Lue"/>
+        <a:font script="Tfng" typeface="Ebrima"/>
+      </a:majorFont>
+      <a:minorFont>
+        <a:latin typeface="Calibri" panose="020F0502020204030204"/>
+        <a:ea typeface=""/>
+        <a:cs typeface=""/>
+        <a:font script="Jpan" typeface="游ゴシック"/>
+        <a:font script="Hang" typeface="맑은 고딕"/>
+        <a:font script="Hans" typeface="等线"/>
+        <a:font script="Hant" typeface="新細明體"/>
+        <a:font script="Arab" typeface="Arial"/>
+        <a:font script="Hebr" typeface="Arial"/>
+        <a:font script="Thai" typeface="Cordia New"/>
+        <a:font script="Ethi" typeface="Nyala"/>
+        <a:font script="Beng" typeface="Vrinda"/>
+        <a:font script="Gujr" typeface="Shruti"/>
+        <a:font script="Khmr" typeface="DaunPenh"/>
+        <a:font script="Knda" typeface="Tunga"/>
+        <a:font script="Guru" typeface="Raavi"/>
+        <a:font script="Cans" typeface="Euphemia"/>
+        <a:font script="Cher" typeface="Plantagenet Cherokee"/>
+        <a:font script="Yiii" typeface="Microsoft Yi Baiti"/>
+        <a:font script="Tibt" typeface="Microsoft Himalaya"/>
+        <a:font script="Thaa" typeface="MV Boli"/>
+        <a:font script="Deva" typeface="Mangal"/>
+        <a:font script="Telu" typeface="Gautami"/>
+        <a:font script="Taml" typeface="Latha"/>
+        <a:font script="Syrc" typeface="Estrangelo Edessa"/>
+        <a:font script="Orya" typeface="Kalinga"/>
+        <a:font script="Mlym" typeface="Kartika"/>
+        <a:font script="Laoo" typeface="DokChampa"/>
+        <a:font script="Sinh" typeface="Iskoola Pota"/>
+        <a:font script="Mong" typeface="Mongolian Baiti"/>
+        <a:font script="Viet" typeface="Arial"/>
+        <a:font script="Uigh" typeface="Microsoft Uighur"/>
+        <a:font script="Geor" typeface="Sylfaen"/>
+        <a:font script="Armn" typeface="Arial"/>
+        <a:font script="Bugi" typeface="Leelawadee UI"/>
+        <a:font script="Bopo" typeface="Microsoft JhengHei"/>
+        <a:font script="Java" typeface="Javanese Text"/>
+        <a:font script="Lisu" typeface="Segoe UI"/>
+        <a:font script="Mymr" typeface="Myanmar Text"/>
+        <a:font script="Nkoo" typeface="Ebrima"/>
+        <a:font script="Olck" typeface="Nirmala UI"/>
+        <a:font script="Osma" typeface="Ebrima"/>
+        <a:font script="Phag" typeface="Phagspa"/>
+        <a:font script="Syrn" typeface="Estrangelo Edessa"/>
+        <a:font script="Syrj" typeface="Estrangelo Edessa"/>
+        <a:font script="Syre" typeface="Estrangelo Edessa"/>
+        <a:font script="Sora" typeface="Nirmala UI"/>
+        <a:font script="Tale" typeface="Microsoft Tai Le"/>
+        <a:font script="Talu" typeface="Microsoft New Tai Lue"/>
+        <a:font script="Tfng" typeface="Ebrima"/>
+      </a:minorFont>
+    </a:fontScheme>
+    <a:fmtScheme name="Office">
+      <a:fillStyleLst>
+        <a:solidFill>
+          <a:schemeClr val="phClr"/>
+        </a:solidFill>
+        <a:gradFill rotWithShape="1">
+          <a:gsLst>
+            <a:gs pos="0">
+              <a:schemeClr val="phClr">
+                <a:lumMod val="110000"/>
+                <a:satMod val="105000"/>
+                <a:tint val="67000"/>
+              </a:schemeClr>
+            </a:gs>
+            <a:gs pos="50000">
+              <a:schemeClr val="phClr">
+                <a:lumMod val="105000"/>
+                <a:satMod val="103000"/>
+                <a:tint val="73000"/>
+              </a:schemeClr>
+            </a:gs>
+            <a:gs pos="100000">
+              <a:schemeClr val="phClr">
+                <a:lumMod val="105000"/>
+                <a:satMod val="109000"/>
+                <a:tint val="81000"/>
+              </a:schemeClr>
+            </a:gs>
+          </a:gsLst>
+          <a:lin ang="5400000" scaled="0"/>
+        </a:gradFill>
+        <a:gradFill rotWithShape="1">
+          <a:gsLst>
+            <a:gs pos="0">
+              <a:schemeClr val="phClr">
+                <a:satMod val="103000"/>
+                <a:lumMod val="102000"/>
+                <a:tint val="94000"/>
+              </a:schemeClr>
+            </a:gs>
+            <a:gs pos="50000">
+              <a:schemeClr val="phClr">
+                <a:satMod val="110000"/>
+                <a:lumMod val="100000"/>
+                <a:shade val="100000"/>
+              </a:schemeClr>
+            </a:gs>
+            <a:gs pos="100000">
+              <a:schemeClr val="phClr">
+                <a:lumMod val="99000"/>
+                <a:satMod val="120000"/>
+                <a:shade val="78000"/>
+              </a:schemeClr>
+            </a:gs>
+          </a:gsLst>
+          <a:lin ang="5400000" scaled="0"/>
+        </a:gradFill>
+      </a:fillStyleLst>
+      <a:lnStyleLst>
+        <a:ln w="6350" cap="flat" cmpd="sng" algn="ctr">
+          <a:solidFill>
+            <a:schemeClr val="phClr"/>
+          </a:solidFill>
+          <a:prstDash val="solid"/>
+          <a:miter lim="800000"/>
+        </a:ln>
+        <a:ln w="12700" cap="flat" cmpd="sng" algn="ctr">
+          <a:solidFill>
+            <a:schemeClr val="phClr"/>
+          </a:solidFill>
+          <a:prstDash val="solid"/>
+          <a:miter lim="800000"/>
+        </a:ln>
+        <a:ln w="19050" cap="flat" cmpd="sng" algn="ctr">
+          <a:solidFill>
+            <a:schemeClr val="phClr"/>
+          </a:solidFill>
+          <a:prstDash val="solid"/>
+          <a:miter lim="800000"/>
+        </a:ln>
+      </a:lnStyleLst>
+      <a:effectStyleLst>
+        <a:effectStyle>
+          <a:effectLst/>
+        </a:effectStyle>
+        <a:effectStyle>
+          <a:effectLst/>
+        </a:effectStyle>
+        <a:effectStyle>
+          <a:effectLst>
+            <a:outerShdw blurRad="57150" dist="19050" dir="5400000" algn="ctr" rotWithShape="0">
+              <a:srgbClr val="000000">
+                <a:alpha val="63000"/>
+              </a:srgbClr>
+            </a:outerShdw>
+          </a:effectLst>
+        </a:effectStyle>
+      </a:effectStyleLst>
+      <a:bgFillStyleLst>
+        <a:solidFill>
+          <a:schemeClr val="phClr"/>
+        </a:solidFill>
+        <a:solidFill>
+          <a:schemeClr val="phClr">
+            <a:tint val="95000"/>
+            <a:satMod val="170000"/>
+          </a:schemeClr>
+        </a:solidFill>
+        <a:gradFill rotWithShape="1">
+          <a:gsLst>
+            <a:gs pos="0">
+              <a:schemeClr val="phClr">
+                <a:tint val="93000"/>
+                <a:satMod val="150000"/>
+                <a:shade val="98000"/>
+                <a:lumMod val="102000"/>
+              </a:schemeClr>
+            </a:gs>
+            <a:gs pos="50000">
+              <a:schemeClr val="phClr">
+                <a:tint val="98000"/>
+                <a:satMod val="130000"/>
+                <a:shade val="90000"/>
+                <a:lumMod val="103000"/>
+              </a:schemeClr>
+            </a:gs>
+            <a:gs pos="100000">
+              <a:schemeClr val="phClr">
+                <a:shade val="63000"/>
+                <a:satMod val="120000"/>
+              </a:schemeClr>
+            </a:gs>
+          </a:gsLst>
+          <a:lin ang="5400000" scaled="0"/>
+        </a:gradFill>
+      </a:bgFillStyleLst>
+    </a:fmtScheme>
+  </a:themeElements>
+  <a:objectDefaults/>
+  <a:extraClrSchemeLst/>
+  <a:extLst>
+    <a:ext uri="{05A4C25C-085E-4340-85A3-A5531E510DB2}">
+      <thm15:themeFamily xmlns:thm15="http://schemas.microsoft.com/office/thememl/2012/main" name="Office Theme" id="{62F939B6-93AF-4DB8-9C6B-D6C7DFDC589F}" vid="{4A3C46E8-61CC-4603-A589-7422A47A8E4A}"/>
+    </a:ext>
+  </a:extLst>
+</a:theme>
 </file>